--- a/typo3-contribution-presentation.pptx
+++ b/typo3-contribution-presentation.pptx
@@ -5,22 +5,26 @@
     <p:sldMasterId id="2147483670" r:id="rId1"/>
   </p:sldMasterIdLst>
   <p:notesMasterIdLst>
-    <p:notesMasterId r:id="rId12"/>
+    <p:notesMasterId r:id="rId16"/>
   </p:notesMasterIdLst>
   <p:handoutMasterIdLst>
-    <p:handoutMasterId r:id="rId13"/>
+    <p:handoutMasterId r:id="rId17"/>
   </p:handoutMasterIdLst>
   <p:sldIdLst>
-    <p:sldId id="273" r:id="rId2"/>
-    <p:sldId id="346" r:id="rId3"/>
-    <p:sldId id="274" r:id="rId4"/>
-    <p:sldId id="344" r:id="rId5"/>
-    <p:sldId id="279" r:id="rId6"/>
-    <p:sldId id="275" r:id="rId7"/>
-    <p:sldId id="348" r:id="rId8"/>
-    <p:sldId id="349" r:id="rId9"/>
-    <p:sldId id="347" r:id="rId10"/>
-    <p:sldId id="266" r:id="rId11"/>
+    <p:sldId id="350" r:id="rId2"/>
+    <p:sldId id="351" r:id="rId3"/>
+    <p:sldId id="352" r:id="rId4"/>
+    <p:sldId id="353" r:id="rId5"/>
+    <p:sldId id="273" r:id="rId6"/>
+    <p:sldId id="274" r:id="rId7"/>
+    <p:sldId id="344" r:id="rId8"/>
+    <p:sldId id="346" r:id="rId9"/>
+    <p:sldId id="279" r:id="rId10"/>
+    <p:sldId id="275" r:id="rId11"/>
+    <p:sldId id="348" r:id="rId12"/>
+    <p:sldId id="349" r:id="rId13"/>
+    <p:sldId id="347" r:id="rId14"/>
+    <p:sldId id="266" r:id="rId15"/>
   </p:sldIdLst>
   <p:sldSz cx="17340263" cy="9753600"/>
   <p:notesSz cx="6858000" cy="9144000"/>
@@ -229,7 +233,7 @@
           <a:p>
             <a:fld id="{A9D5D541-1F48-432E-814B-A9B697C79064}" type="datetimeFigureOut">
               <a:rPr lang="de-DE" smtClean="0"/>
-              <a:t>18.05.2018</a:t>
+              <a:t>20.05.2018</a:t>
             </a:fld>
             <a:endParaRPr lang="de-DE"/>
           </a:p>
@@ -502,6 +506,128 @@
 </p:notesMaster>
 </file>
 
+<file path=ppt/notesSlides/notesSlide1.xml><?xml version="1.0" encoding="utf-8"?>
+<p:notes xmlns:a="http://schemas.openxmlformats.org/drawingml/2006/main" xmlns:r="http://schemas.openxmlformats.org/officeDocument/2006/relationships" xmlns:p="http://schemas.openxmlformats.org/presentationml/2006/main">
+  <p:cSld>
+    <p:spTree>
+      <p:nvGrpSpPr>
+        <p:cNvPr id="1" name=""/>
+        <p:cNvGrpSpPr/>
+        <p:nvPr/>
+      </p:nvGrpSpPr>
+      <p:grpSpPr>
+        <a:xfrm>
+          <a:off x="0" y="0"/>
+          <a:ext cx="0" cy="0"/>
+          <a:chOff x="0" y="0"/>
+          <a:chExt cx="0" cy="0"/>
+        </a:xfrm>
+      </p:grpSpPr>
+      <p:sp>
+        <p:nvSpPr>
+          <p:cNvPr id="2" name="Slide Image Placeholder 1"/>
+          <p:cNvSpPr>
+            <a:spLocks noGrp="1" noRot="1" noChangeAspect="1"/>
+          </p:cNvSpPr>
+          <p:nvPr>
+            <p:ph type="sldImg"/>
+          </p:nvPr>
+        </p:nvSpPr>
+        <p:spPr/>
+      </p:sp>
+      <p:sp>
+        <p:nvSpPr>
+          <p:cNvPr id="3" name="Notes Placeholder 2"/>
+          <p:cNvSpPr>
+            <a:spLocks noGrp="1"/>
+          </p:cNvSpPr>
+          <p:nvPr>
+            <p:ph type="body" idx="1"/>
+          </p:nvPr>
+        </p:nvSpPr>
+        <p:spPr/>
+        <p:txBody>
+          <a:bodyPr numCol="1"/>
+          <a:lstStyle/>
+          <a:p>
+            <a:endParaRPr lang="en-US"/>
+          </a:p>
+        </p:txBody>
+      </p:sp>
+    </p:spTree>
+    <p:extLst>
+      <p:ext uri="{BB962C8B-B14F-4D97-AF65-F5344CB8AC3E}">
+        <p14:creationId xmlns:p14="http://schemas.microsoft.com/office/powerpoint/2010/main" val="322674883"/>
+      </p:ext>
+    </p:extLst>
+  </p:cSld>
+  <p:clrMapOvr>
+    <a:masterClrMapping/>
+  </p:clrMapOvr>
+</p:notes>
+</file>
+
+<file path=ppt/notesSlides/notesSlide2.xml><?xml version="1.0" encoding="utf-8"?>
+<p:notes xmlns:a="http://schemas.openxmlformats.org/drawingml/2006/main" xmlns:r="http://schemas.openxmlformats.org/officeDocument/2006/relationships" xmlns:p="http://schemas.openxmlformats.org/presentationml/2006/main">
+  <p:cSld>
+    <p:spTree>
+      <p:nvGrpSpPr>
+        <p:cNvPr id="1" name=""/>
+        <p:cNvGrpSpPr/>
+        <p:nvPr/>
+      </p:nvGrpSpPr>
+      <p:grpSpPr>
+        <a:xfrm>
+          <a:off x="0" y="0"/>
+          <a:ext cx="0" cy="0"/>
+          <a:chOff x="0" y="0"/>
+          <a:chExt cx="0" cy="0"/>
+        </a:xfrm>
+      </p:grpSpPr>
+      <p:sp>
+        <p:nvSpPr>
+          <p:cNvPr id="2" name="Slide Image Placeholder 1"/>
+          <p:cNvSpPr>
+            <a:spLocks noGrp="1" noRot="1" noChangeAspect="1"/>
+          </p:cNvSpPr>
+          <p:nvPr>
+            <p:ph type="sldImg"/>
+          </p:nvPr>
+        </p:nvSpPr>
+        <p:spPr/>
+      </p:sp>
+      <p:sp>
+        <p:nvSpPr>
+          <p:cNvPr id="3" name="Notes Placeholder 2"/>
+          <p:cNvSpPr>
+            <a:spLocks noGrp="1"/>
+          </p:cNvSpPr>
+          <p:nvPr>
+            <p:ph type="body" idx="1"/>
+          </p:nvPr>
+        </p:nvSpPr>
+        <p:spPr/>
+        <p:txBody>
+          <a:bodyPr numCol="1"/>
+          <a:lstStyle/>
+          <a:p>
+            <a:endParaRPr lang="en-US"/>
+          </a:p>
+        </p:txBody>
+      </p:sp>
+    </p:spTree>
+    <p:extLst>
+      <p:ext uri="{BB962C8B-B14F-4D97-AF65-F5344CB8AC3E}">
+        <p14:creationId xmlns:p14="http://schemas.microsoft.com/office/powerpoint/2010/main" val="2693235954"/>
+      </p:ext>
+    </p:extLst>
+  </p:cSld>
+  <p:clrMapOvr>
+    <a:masterClrMapping/>
+  </p:clrMapOvr>
+</p:notes>
+</file>
+
 <file path=ppt/slideLayouts/slideLayout1.xml><?xml version="1.0" encoding="utf-8"?>
 <p:sldLayout xmlns:a="http://schemas.openxmlformats.org/drawingml/2006/main" xmlns:r="http://schemas.openxmlformats.org/officeDocument/2006/relationships" xmlns:p="http://schemas.openxmlformats.org/presentationml/2006/main" showMasterSp="0" preserve="1" userDrawn="1">
   <p:cSld name="Titelfolie">
@@ -631,7 +757,7 @@
             </a:ln>
             <a:extLst>
               <a:ext uri="{91240B29-F687-4f45-9708-019B960494DF}">
-                <a14:hiddenLine xmlns:a14="http://schemas.microsoft.com/office/drawing/2010/main" xmlns="" w="9525">
+                <a14:hiddenLine xmlns="" xmlns:a14="http://schemas.microsoft.com/office/drawing/2010/main" w="9525">
                   <a:solidFill>
                     <a:srgbClr val="000000"/>
                   </a:solidFill>
@@ -768,7 +894,7 @@
             </a:ln>
             <a:extLst>
               <a:ext uri="{91240B29-F687-4f45-9708-019B960494DF}">
-                <a14:hiddenLine xmlns:a14="http://schemas.microsoft.com/office/drawing/2010/main" xmlns="" w="9525">
+                <a14:hiddenLine xmlns="" xmlns:a14="http://schemas.microsoft.com/office/drawing/2010/main" w="9525">
                   <a:solidFill>
                     <a:srgbClr val="000000"/>
                   </a:solidFill>
@@ -920,7 +1046,7 @@
             </a:ln>
             <a:extLst>
               <a:ext uri="{91240B29-F687-4f45-9708-019B960494DF}">
-                <a14:hiddenLine xmlns:a14="http://schemas.microsoft.com/office/drawing/2010/main" xmlns="" w="9525">
+                <a14:hiddenLine xmlns="" xmlns:a14="http://schemas.microsoft.com/office/drawing/2010/main" w="9525">
                   <a:solidFill>
                     <a:srgbClr val="000000"/>
                   </a:solidFill>
@@ -1027,7 +1153,7 @@
             </a:ln>
             <a:extLst>
               <a:ext uri="{91240B29-F687-4f45-9708-019B960494DF}">
-                <a14:hiddenLine xmlns:a14="http://schemas.microsoft.com/office/drawing/2010/main" xmlns="" w="9525">
+                <a14:hiddenLine xmlns="" xmlns:a14="http://schemas.microsoft.com/office/drawing/2010/main" w="9525">
                   <a:solidFill>
                     <a:srgbClr val="000000"/>
                   </a:solidFill>
@@ -1804,7 +1930,7 @@
             </a:ln>
             <a:extLst>
               <a:ext uri="{91240B29-F687-4f45-9708-019B960494DF}">
-                <a14:hiddenLine xmlns:a14="http://schemas.microsoft.com/office/drawing/2010/main" xmlns="" w="9525">
+                <a14:hiddenLine xmlns="" xmlns:a14="http://schemas.microsoft.com/office/drawing/2010/main" w="9525">
                   <a:solidFill>
                     <a:srgbClr val="000000"/>
                   </a:solidFill>
@@ -1939,7 +2065,7 @@
             </a:ln>
             <a:extLst>
               <a:ext uri="{91240B29-F687-4f45-9708-019B960494DF}">
-                <a14:hiddenLine xmlns:a14="http://schemas.microsoft.com/office/drawing/2010/main" xmlns="" w="9525">
+                <a14:hiddenLine xmlns="" xmlns:a14="http://schemas.microsoft.com/office/drawing/2010/main" w="9525">
                   <a:solidFill>
                     <a:srgbClr val="000000"/>
                   </a:solidFill>
@@ -2044,359 +2170,7 @@
             </a:ln>
             <a:extLst>
               <a:ext uri="{91240B29-F687-4f45-9708-019B960494DF}">
-                <a14:hiddenLine xmlns:a14="http://schemas.microsoft.com/office/drawing/2010/main" xmlns="" w="9525">
-                  <a:solidFill>
-                    <a:srgbClr val="000000"/>
-                  </a:solidFill>
-                  <a:round/>
-                  <a:headEnd/>
-                  <a:tailEnd/>
-                </a14:hiddenLine>
-              </a:ext>
-            </a:extLst>
-          </p:spPr>
-          <p:txBody>
-            <a:bodyPr vert="horz" wrap="square" lIns="91440" tIns="45720" rIns="91440" bIns="45720" numCol="1" anchor="t" anchorCtr="0" compatLnSpc="1">
-              <a:prstTxWarp prst="textNoShape">
-                <a:avLst/>
-              </a:prstTxWarp>
-            </a:bodyPr>
-            <a:lstStyle/>
-            <a:p>
-              <a:endParaRPr lang="de-DE" dirty="0"/>
-            </a:p>
-          </p:txBody>
-        </p:sp>
-      </p:grpSp>
-      <p:grpSp>
-        <p:nvGrpSpPr>
-          <p:cNvPr id="17" name="Group 10"/>
-          <p:cNvGrpSpPr>
-            <a:grpSpLocks noChangeAspect="1"/>
-          </p:cNvGrpSpPr>
-          <p:nvPr userDrawn="1"/>
-        </p:nvGrpSpPr>
-        <p:grpSpPr bwMode="auto">
-          <a:xfrm>
-            <a:off x="11087099" y="8209900"/>
-            <a:ext cx="329263" cy="268187"/>
-            <a:chOff x="3238" y="4580"/>
-            <a:chExt cx="1930" cy="1572"/>
-          </a:xfrm>
-          <a:effectLst>
-            <a:outerShdw blurRad="50800" dist="38100" dir="5400000" algn="t" rotWithShape="0">
-              <a:prstClr val="black">
-                <a:alpha val="40000"/>
-              </a:prstClr>
-            </a:outerShdw>
-          </a:effectLst>
-        </p:grpSpPr>
-        <p:sp>
-          <p:nvSpPr>
-            <p:cNvPr id="18" name="AutoShape 9"/>
-            <p:cNvSpPr>
-              <a:spLocks noChangeAspect="1" noChangeArrowheads="1" noTextEdit="1"/>
-            </p:cNvSpPr>
-            <p:nvPr userDrawn="1"/>
-          </p:nvSpPr>
-          <p:spPr bwMode="auto">
-            <a:xfrm>
-              <a:off x="3238" y="4580"/>
-              <a:ext cx="1930" cy="1572"/>
-            </a:xfrm>
-            <a:prstGeom prst="rect">
-              <a:avLst/>
-            </a:prstGeom>
-            <a:noFill/>
-            <a:ln>
-              <a:noFill/>
-            </a:ln>
-            <a:extLst>
-              <a:ext uri="{909E8E84-426E-40dd-AFC4-6F175D3DCCD1}">
-                <a14:hiddenFill xmlns:a14="http://schemas.microsoft.com/office/drawing/2010/main" xmlns="">
-                  <a:solidFill>
-                    <a:srgbClr val="FFFFFF"/>
-                  </a:solidFill>
-                </a14:hiddenFill>
-              </a:ext>
-              <a:ext uri="{91240B29-F687-4f45-9708-019B960494DF}">
-                <a14:hiddenLine xmlns:a14="http://schemas.microsoft.com/office/drawing/2010/main" xmlns="" w="9525">
-                  <a:solidFill>
-                    <a:srgbClr val="000000"/>
-                  </a:solidFill>
-                  <a:miter lim="800000"/>
-                  <a:headEnd/>
-                  <a:tailEnd/>
-                </a14:hiddenLine>
-              </a:ext>
-            </a:extLst>
-          </p:spPr>
-          <p:txBody>
-            <a:bodyPr vert="horz" wrap="square" lIns="91440" tIns="45720" rIns="91440" bIns="45720" numCol="1" anchor="t" anchorCtr="0" compatLnSpc="1">
-              <a:prstTxWarp prst="textNoShape">
-                <a:avLst/>
-              </a:prstTxWarp>
-            </a:bodyPr>
-            <a:lstStyle/>
-            <a:p>
-              <a:endParaRPr lang="de-DE"/>
-            </a:p>
-          </p:txBody>
-        </p:sp>
-        <p:sp>
-          <p:nvSpPr>
-            <p:cNvPr id="19" name="Freeform 11"/>
-            <p:cNvSpPr>
-              <a:spLocks/>
-            </p:cNvSpPr>
-            <p:nvPr userDrawn="1"/>
-          </p:nvSpPr>
-          <p:spPr bwMode="auto">
-            <a:xfrm>
-              <a:off x="3236" y="4578"/>
-              <a:ext cx="1934" cy="1572"/>
-            </a:xfrm>
-            <a:custGeom>
-              <a:avLst/>
-              <a:gdLst>
-                <a:gd name="T0" fmla="*/ 1094 w 1094"/>
-                <a:gd name="T1" fmla="*/ 105 h 888"/>
-                <a:gd name="T2" fmla="*/ 965 w 1094"/>
-                <a:gd name="T3" fmla="*/ 140 h 888"/>
-                <a:gd name="T4" fmla="*/ 1064 w 1094"/>
-                <a:gd name="T5" fmla="*/ 16 h 888"/>
-                <a:gd name="T6" fmla="*/ 921 w 1094"/>
-                <a:gd name="T7" fmla="*/ 71 h 888"/>
-                <a:gd name="T8" fmla="*/ 757 w 1094"/>
-                <a:gd name="T9" fmla="*/ 0 h 888"/>
-                <a:gd name="T10" fmla="*/ 533 w 1094"/>
-                <a:gd name="T11" fmla="*/ 224 h 888"/>
-                <a:gd name="T12" fmla="*/ 539 w 1094"/>
-                <a:gd name="T13" fmla="*/ 275 h 888"/>
-                <a:gd name="T14" fmla="*/ 76 w 1094"/>
-                <a:gd name="T15" fmla="*/ 41 h 888"/>
-                <a:gd name="T16" fmla="*/ 46 w 1094"/>
-                <a:gd name="T17" fmla="*/ 154 h 888"/>
-                <a:gd name="T18" fmla="*/ 146 w 1094"/>
-                <a:gd name="T19" fmla="*/ 340 h 888"/>
-                <a:gd name="T20" fmla="*/ 44 w 1094"/>
-                <a:gd name="T21" fmla="*/ 312 h 888"/>
-                <a:gd name="T22" fmla="*/ 44 w 1094"/>
-                <a:gd name="T23" fmla="*/ 315 h 888"/>
-                <a:gd name="T24" fmla="*/ 224 w 1094"/>
-                <a:gd name="T25" fmla="*/ 535 h 888"/>
-                <a:gd name="T26" fmla="*/ 165 w 1094"/>
-                <a:gd name="T27" fmla="*/ 543 h 888"/>
-                <a:gd name="T28" fmla="*/ 123 w 1094"/>
-                <a:gd name="T29" fmla="*/ 539 h 888"/>
-                <a:gd name="T30" fmla="*/ 332 w 1094"/>
-                <a:gd name="T31" fmla="*/ 695 h 888"/>
-                <a:gd name="T32" fmla="*/ 54 w 1094"/>
-                <a:gd name="T33" fmla="*/ 791 h 888"/>
-                <a:gd name="T34" fmla="*/ 0 w 1094"/>
-                <a:gd name="T35" fmla="*/ 788 h 888"/>
-                <a:gd name="T36" fmla="*/ 344 w 1094"/>
-                <a:gd name="T37" fmla="*/ 888 h 888"/>
-                <a:gd name="T38" fmla="*/ 982 w 1094"/>
-                <a:gd name="T39" fmla="*/ 250 h 888"/>
-                <a:gd name="T40" fmla="*/ 982 w 1094"/>
-                <a:gd name="T41" fmla="*/ 221 h 888"/>
-                <a:gd name="T42" fmla="*/ 1094 w 1094"/>
-                <a:gd name="T43" fmla="*/ 105 h 888"/>
-              </a:gdLst>
-              <a:ahLst/>
-              <a:cxnLst>
-                <a:cxn ang="0">
-                  <a:pos x="T0" y="T1"/>
-                </a:cxn>
-                <a:cxn ang="0">
-                  <a:pos x="T2" y="T3"/>
-                </a:cxn>
-                <a:cxn ang="0">
-                  <a:pos x="T4" y="T5"/>
-                </a:cxn>
-                <a:cxn ang="0">
-                  <a:pos x="T6" y="T7"/>
-                </a:cxn>
-                <a:cxn ang="0">
-                  <a:pos x="T8" y="T9"/>
-                </a:cxn>
-                <a:cxn ang="0">
-                  <a:pos x="T10" y="T11"/>
-                </a:cxn>
-                <a:cxn ang="0">
-                  <a:pos x="T12" y="T13"/>
-                </a:cxn>
-                <a:cxn ang="0">
-                  <a:pos x="T14" y="T15"/>
-                </a:cxn>
-                <a:cxn ang="0">
-                  <a:pos x="T16" y="T17"/>
-                </a:cxn>
-                <a:cxn ang="0">
-                  <a:pos x="T18" y="T19"/>
-                </a:cxn>
-                <a:cxn ang="0">
-                  <a:pos x="T20" y="T21"/>
-                </a:cxn>
-                <a:cxn ang="0">
-                  <a:pos x="T22" y="T23"/>
-                </a:cxn>
-                <a:cxn ang="0">
-                  <a:pos x="T24" y="T25"/>
-                </a:cxn>
-                <a:cxn ang="0">
-                  <a:pos x="T26" y="T27"/>
-                </a:cxn>
-                <a:cxn ang="0">
-                  <a:pos x="T28" y="T29"/>
-                </a:cxn>
-                <a:cxn ang="0">
-                  <a:pos x="T30" y="T31"/>
-                </a:cxn>
-                <a:cxn ang="0">
-                  <a:pos x="T32" y="T33"/>
-                </a:cxn>
-                <a:cxn ang="0">
-                  <a:pos x="T34" y="T35"/>
-                </a:cxn>
-                <a:cxn ang="0">
-                  <a:pos x="T36" y="T37"/>
-                </a:cxn>
-                <a:cxn ang="0">
-                  <a:pos x="T38" y="T39"/>
-                </a:cxn>
-                <a:cxn ang="0">
-                  <a:pos x="T40" y="T41"/>
-                </a:cxn>
-                <a:cxn ang="0">
-                  <a:pos x="T42" y="T43"/>
-                </a:cxn>
-              </a:cxnLst>
-              <a:rect l="0" t="0" r="r" b="b"/>
-              <a:pathLst>
-                <a:path w="1094" h="888">
-                  <a:moveTo>
-                    <a:pt x="1094" y="105"/>
-                  </a:moveTo>
-                  <a:cubicBezTo>
-                    <a:pt x="1054" y="123"/>
-                    <a:pt x="1010" y="135"/>
-                    <a:pt x="965" y="140"/>
-                  </a:cubicBezTo>
-                  <a:cubicBezTo>
-                    <a:pt x="1011" y="112"/>
-                    <a:pt x="1047" y="68"/>
-                    <a:pt x="1064" y="16"/>
-                  </a:cubicBezTo>
-                  <a:cubicBezTo>
-                    <a:pt x="1020" y="42"/>
-                    <a:pt x="972" y="60"/>
-                    <a:pt x="921" y="71"/>
-                  </a:cubicBezTo>
-                  <a:cubicBezTo>
-                    <a:pt x="880" y="27"/>
-                    <a:pt x="822" y="0"/>
-                    <a:pt x="757" y="0"/>
-                  </a:cubicBezTo>
-                  <a:cubicBezTo>
-                    <a:pt x="633" y="0"/>
-                    <a:pt x="533" y="100"/>
-                    <a:pt x="533" y="224"/>
-                  </a:cubicBezTo>
-                  <a:cubicBezTo>
-                    <a:pt x="533" y="242"/>
-                    <a:pt x="535" y="259"/>
-                    <a:pt x="539" y="275"/>
-                  </a:cubicBezTo>
-                  <a:cubicBezTo>
-                    <a:pt x="352" y="266"/>
-                    <a:pt x="187" y="176"/>
-                    <a:pt x="76" y="41"/>
-                  </a:cubicBezTo>
-                  <a:cubicBezTo>
-                    <a:pt x="57" y="74"/>
-                    <a:pt x="46" y="112"/>
-                    <a:pt x="46" y="154"/>
-                  </a:cubicBezTo>
-                  <a:cubicBezTo>
-                    <a:pt x="46" y="231"/>
-                    <a:pt x="86" y="300"/>
-                    <a:pt x="146" y="340"/>
-                  </a:cubicBezTo>
-                  <a:cubicBezTo>
-                    <a:pt x="109" y="339"/>
-                    <a:pt x="74" y="329"/>
-                    <a:pt x="44" y="312"/>
-                  </a:cubicBezTo>
-                  <a:cubicBezTo>
-                    <a:pt x="44" y="313"/>
-                    <a:pt x="44" y="314"/>
-                    <a:pt x="44" y="315"/>
-                  </a:cubicBezTo>
-                  <a:cubicBezTo>
-                    <a:pt x="44" y="424"/>
-                    <a:pt x="121" y="514"/>
-                    <a:pt x="224" y="535"/>
-                  </a:cubicBezTo>
-                  <a:cubicBezTo>
-                    <a:pt x="205" y="540"/>
-                    <a:pt x="185" y="543"/>
-                    <a:pt x="165" y="543"/>
-                  </a:cubicBezTo>
-                  <a:cubicBezTo>
-                    <a:pt x="151" y="543"/>
-                    <a:pt x="136" y="541"/>
-                    <a:pt x="123" y="539"/>
-                  </a:cubicBezTo>
-                  <a:cubicBezTo>
-                    <a:pt x="151" y="628"/>
-                    <a:pt x="234" y="693"/>
-                    <a:pt x="332" y="695"/>
-                  </a:cubicBezTo>
-                  <a:cubicBezTo>
-                    <a:pt x="256" y="755"/>
-                    <a:pt x="159" y="791"/>
-                    <a:pt x="54" y="791"/>
-                  </a:cubicBezTo>
-                  <a:cubicBezTo>
-                    <a:pt x="36" y="791"/>
-                    <a:pt x="18" y="790"/>
-                    <a:pt x="0" y="788"/>
-                  </a:cubicBezTo>
-                  <a:cubicBezTo>
-                    <a:pt x="100" y="851"/>
-                    <a:pt x="217" y="888"/>
-                    <a:pt x="344" y="888"/>
-                  </a:cubicBezTo>
-                  <a:cubicBezTo>
-                    <a:pt x="757" y="888"/>
-                    <a:pt x="982" y="547"/>
-                    <a:pt x="982" y="250"/>
-                  </a:cubicBezTo>
-                  <a:cubicBezTo>
-                    <a:pt x="982" y="240"/>
-                    <a:pt x="982" y="231"/>
-                    <a:pt x="982" y="221"/>
-                  </a:cubicBezTo>
-                  <a:cubicBezTo>
-                    <a:pt x="1026" y="189"/>
-                    <a:pt x="1064" y="150"/>
-                    <a:pt x="1094" y="105"/>
-                  </a:cubicBezTo>
-                  <a:close/>
-                </a:path>
-              </a:pathLst>
-            </a:custGeom>
-            <a:solidFill>
-              <a:schemeClr val="bg1"/>
-            </a:solidFill>
-            <a:ln>
-              <a:noFill/>
-            </a:ln>
-            <a:extLst>
-              <a:ext uri="{91240B29-F687-4f45-9708-019B960494DF}">
-                <a14:hiddenLine xmlns:a14="http://schemas.microsoft.com/office/drawing/2010/main" xmlns="" w="9525">
+                <a14:hiddenLine xmlns="" xmlns:a14="http://schemas.microsoft.com/office/drawing/2010/main" w="9525">
                   <a:solidFill>
                     <a:srgbClr val="000000"/>
                   </a:solidFill>
@@ -2498,59 +2272,6 @@
       </p:sp>
       <p:sp>
         <p:nvSpPr>
-          <p:cNvPr id="21" name="Textplatzhalter 22"/>
-          <p:cNvSpPr>
-            <a:spLocks noGrp="1"/>
-          </p:cNvSpPr>
-          <p:nvPr userDrawn="1">
-            <p:ph type="body" sz="quarter" idx="13" hasCustomPrompt="1"/>
-          </p:nvPr>
-        </p:nvSpPr>
-        <p:spPr>
-          <a:xfrm>
-            <a:off x="11516164" y="8152221"/>
-            <a:ext cx="5031938" cy="335206"/>
-          </a:xfrm>
-          <a:prstGeom prst="rect">
-            <a:avLst/>
-          </a:prstGeom>
-        </p:spPr>
-        <p:txBody>
-          <a:bodyPr lIns="0" tIns="0" rIns="0" bIns="0" anchor="ctr" anchorCtr="0"/>
-          <a:lstStyle>
-            <a:lvl1pPr marL="0" indent="0">
-              <a:buFontTx/>
-              <a:buNone/>
-              <a:defRPr sz="2400" b="0">
-                <a:solidFill>
-                  <a:schemeClr val="bg1"/>
-                </a:solidFill>
-                <a:effectLst>
-                  <a:outerShdw blurRad="50800" dist="38100" dir="5400000" algn="t" rotWithShape="0">
-                    <a:prstClr val="black">
-                      <a:alpha val="40000"/>
-                    </a:prstClr>
-                  </a:outerShdw>
-                </a:effectLst>
-              </a:defRPr>
-            </a:lvl1pPr>
-          </a:lstStyle>
-          <a:p>
-            <a:pPr lvl="0"/>
-            <a:r>
-              <a:rPr lang="de-DE" dirty="0"/>
-              <a:t>@</a:t>
-            </a:r>
-            <a:r>
-              <a:rPr lang="de-DE" dirty="0" err="1"/>
-              <a:t>maxmustermann</a:t>
-            </a:r>
-            <a:endParaRPr lang="de-DE" dirty="0"/>
-          </a:p>
-        </p:txBody>
-      </p:sp>
-      <p:sp>
-        <p:nvSpPr>
           <p:cNvPr id="22" name="Textplatzhalter 26"/>
           <p:cNvSpPr>
             <a:spLocks noGrp="1"/>
@@ -2646,6 +2367,13 @@
       </p:transition>
     </mc:Fallback>
   </mc:AlternateContent>
+  <p:timing>
+    <p:tnLst>
+      <p:par>
+        <p:cTn id="1" dur="indefinite" restart="never" nodeType="tmRoot"/>
+      </p:par>
+    </p:tnLst>
+  </p:timing>
 </p:sldLayout>
 </file>
 
@@ -3278,7 +3006,7 @@
           <a:p>
             <a:fld id="{BB03919D-1B40-413A-A24F-DC4DAEFA8927}" type="datetime1">
               <a:rPr lang="de-DE" smtClean="0"/>
-              <a:t>18.05.2018</a:t>
+              <a:t>20.05.2018</a:t>
             </a:fld>
             <a:endParaRPr lang="de-DE"/>
           </a:p>
@@ -3421,7 +3149,7 @@
           <a:p>
             <a:fld id="{2E6E58CE-971E-4CD6-9C86-2B871FC50FA5}" type="datetime1">
               <a:rPr lang="de-DE" smtClean="0"/>
-              <a:t>18.05.2018</a:t>
+              <a:t>20.05.2018</a:t>
             </a:fld>
             <a:endParaRPr lang="de-DE"/>
           </a:p>
@@ -3602,16 +3330,21 @@
             <p:ph type="dt" sz="half" idx="10"/>
           </p:nvPr>
         </p:nvSpPr>
-        <p:spPr/>
+        <p:spPr>
+          <a:xfrm>
+            <a:off x="1192213" y="8647113"/>
+            <a:ext cx="851740" cy="519112"/>
+          </a:xfrm>
+        </p:spPr>
         <p:txBody>
           <a:bodyPr/>
           <a:lstStyle/>
           <a:p>
             <a:fld id="{FD1C5B3E-5AF7-4C97-8679-1E43F8E481C8}" type="datetime1">
               <a:rPr lang="de-DE" smtClean="0"/>
-              <a:t>18.05.2018</a:t>
+              <a:t>20.05.2018</a:t>
             </a:fld>
-            <a:endParaRPr lang="de-DE"/>
+            <a:endParaRPr lang="de-DE" dirty="0"/>
           </a:p>
         </p:txBody>
       </p:sp>
@@ -3625,7 +3358,12 @@
             <p:ph type="ftr" sz="quarter" idx="11"/>
           </p:nvPr>
         </p:nvSpPr>
-        <p:spPr/>
+        <p:spPr>
+          <a:xfrm>
+            <a:off x="2405743" y="8647113"/>
+            <a:ext cx="6595738" cy="519112"/>
+          </a:xfrm>
+        </p:spPr>
         <p:txBody>
           <a:bodyPr/>
           <a:lstStyle/>
@@ -3684,6 +3422,13 @@
       </p:transition>
     </mc:Fallback>
   </mc:AlternateContent>
+  <p:timing>
+    <p:tnLst>
+      <p:par>
+        <p:cTn id="1" dur="indefinite" restart="never" nodeType="tmRoot"/>
+      </p:par>
+    </p:tnLst>
+  </p:timing>
 </p:sldLayout>
 </file>
 
@@ -3714,14 +3459,19 @@
             <p:ph type="dt" sz="half" idx="10"/>
           </p:nvPr>
         </p:nvSpPr>
-        <p:spPr/>
+        <p:spPr>
+          <a:xfrm>
+            <a:off x="1192213" y="8647113"/>
+            <a:ext cx="948559" cy="519112"/>
+          </a:xfrm>
+        </p:spPr>
         <p:txBody>
           <a:bodyPr/>
           <a:lstStyle/>
           <a:p>
             <a:fld id="{92DFE110-83A0-4C5D-A343-3AA61B64FE99}" type="datetime1">
               <a:rPr lang="de-DE" smtClean="0"/>
-              <a:t>18.05.2018</a:t>
+              <a:t>20.05.2018</a:t>
             </a:fld>
             <a:endParaRPr lang="de-DE"/>
           </a:p>
@@ -3737,7 +3487,12 @@
             <p:ph type="ftr" sz="quarter" idx="11"/>
           </p:nvPr>
         </p:nvSpPr>
-        <p:spPr/>
+        <p:spPr>
+          <a:xfrm>
+            <a:off x="2654513" y="8647113"/>
+            <a:ext cx="6595738" cy="519112"/>
+          </a:xfrm>
+        </p:spPr>
         <p:txBody>
           <a:bodyPr/>
           <a:lstStyle/>
@@ -3796,6 +3551,13 @@
       </p:transition>
     </mc:Fallback>
   </mc:AlternateContent>
+  <p:timing>
+    <p:tnLst>
+      <p:par>
+        <p:cTn id="1" dur="indefinite" restart="never" nodeType="tmRoot"/>
+      </p:par>
+    </p:tnLst>
+  </p:timing>
 </p:sldLayout>
 </file>
 
@@ -3897,7 +3659,7 @@
             <a:fld id="{CAB60E5F-6AFD-4DA7-892F-BCC359284A30}" type="datetime1">
               <a:rPr lang="de-DE" smtClean="0"/>
               <a:pPr/>
-              <a:t>18.05.2018</a:t>
+              <a:t>20.05.2018</a:t>
             </a:fld>
             <a:endParaRPr lang="de-DE"/>
           </a:p>
@@ -4599,7 +4361,7 @@
             </a:ln>
             <a:extLst>
               <a:ext uri="{91240B29-F687-4f45-9708-019B960494DF}">
-                <a14:hiddenLine xmlns:a14="http://schemas.microsoft.com/office/drawing/2010/main" xmlns="" w="9525">
+                <a14:hiddenLine xmlns="" xmlns:a14="http://schemas.microsoft.com/office/drawing/2010/main" w="9525">
                   <a:solidFill>
                     <a:srgbClr val="000000"/>
                   </a:solidFill>
@@ -4734,7 +4496,7 @@
             </a:ln>
             <a:extLst>
               <a:ext uri="{91240B29-F687-4f45-9708-019B960494DF}">
-                <a14:hiddenLine xmlns:a14="http://schemas.microsoft.com/office/drawing/2010/main" xmlns="" w="9525">
+                <a14:hiddenLine xmlns="" xmlns:a14="http://schemas.microsoft.com/office/drawing/2010/main" w="9525">
                   <a:solidFill>
                     <a:srgbClr val="000000"/>
                   </a:solidFill>
@@ -4839,7 +4601,7 @@
             </a:ln>
             <a:extLst>
               <a:ext uri="{91240B29-F687-4f45-9708-019B960494DF}">
-                <a14:hiddenLine xmlns:a14="http://schemas.microsoft.com/office/drawing/2010/main" xmlns="" w="9525">
+                <a14:hiddenLine xmlns="" xmlns:a14="http://schemas.microsoft.com/office/drawing/2010/main" w="9525">
                   <a:solidFill>
                     <a:srgbClr val="000000"/>
                   </a:solidFill>
@@ -4970,7 +4732,12 @@
             <p:ph type="dt" sz="half" idx="10"/>
           </p:nvPr>
         </p:nvSpPr>
-        <p:spPr/>
+        <p:spPr>
+          <a:xfrm>
+            <a:off x="1192213" y="8647113"/>
+            <a:ext cx="1002347" cy="519112"/>
+          </a:xfrm>
+        </p:spPr>
         <p:txBody>
           <a:bodyPr/>
           <a:lstStyle>
@@ -4986,7 +4753,7 @@
             <a:fld id="{751548CB-F427-41BB-8B82-B9CA3F4EF425}" type="datetime1">
               <a:rPr lang="de-DE" smtClean="0"/>
               <a:pPr/>
-              <a:t>18.05.2018</a:t>
+              <a:t>20.05.2018</a:t>
             </a:fld>
             <a:endParaRPr lang="de-DE"/>
           </a:p>
@@ -5026,7 +4793,12 @@
             <p:ph type="ftr" sz="quarter" idx="12"/>
           </p:nvPr>
         </p:nvSpPr>
-        <p:spPr/>
+        <p:spPr>
+          <a:xfrm>
+            <a:off x="2730610" y="8669880"/>
+            <a:ext cx="6595738" cy="519112"/>
+          </a:xfrm>
+        </p:spPr>
         <p:txBody>
           <a:bodyPr/>
           <a:lstStyle>
@@ -5040,8 +4812,12 @@
           </a:lstStyle>
           <a:p>
             <a:r>
-              <a:rPr lang="en-US"/>
-              <a:t>Configurable in Head- and Footnote section</a:t>
+              <a:rPr lang="en-US" dirty="0" smtClean="0"/>
+              <a:t>TYPO3camp </a:t>
+            </a:r>
+            <a:r>
+              <a:rPr lang="en-US" dirty="0" err="1" smtClean="0"/>
+              <a:t>Zentralschweiz</a:t>
             </a:r>
             <a:endParaRPr lang="de-DE" dirty="0"/>
           </a:p>
@@ -5918,7 +5694,7 @@
             </a:ln>
             <a:extLst>
               <a:ext uri="{91240B29-F687-4f45-9708-019B960494DF}">
-                <a14:hiddenLine xmlns:a14="http://schemas.microsoft.com/office/drawing/2010/main" xmlns="" w="9525">
+                <a14:hiddenLine xmlns="" xmlns:a14="http://schemas.microsoft.com/office/drawing/2010/main" w="9525">
                   <a:solidFill>
                     <a:srgbClr val="000000"/>
                   </a:solidFill>
@@ -6053,7 +5829,7 @@
             </a:ln>
             <a:extLst>
               <a:ext uri="{91240B29-F687-4f45-9708-019B960494DF}">
-                <a14:hiddenLine xmlns:a14="http://schemas.microsoft.com/office/drawing/2010/main" xmlns="" w="9525">
+                <a14:hiddenLine xmlns="" xmlns:a14="http://schemas.microsoft.com/office/drawing/2010/main" w="9525">
                   <a:solidFill>
                     <a:srgbClr val="000000"/>
                   </a:solidFill>
@@ -6158,7 +5934,7 @@
             </a:ln>
             <a:extLst>
               <a:ext uri="{91240B29-F687-4f45-9708-019B960494DF}">
-                <a14:hiddenLine xmlns:a14="http://schemas.microsoft.com/office/drawing/2010/main" xmlns="" w="9525">
+                <a14:hiddenLine xmlns="" xmlns:a14="http://schemas.microsoft.com/office/drawing/2010/main" w="9525">
                   <a:solidFill>
                     <a:srgbClr val="000000"/>
                   </a:solidFill>
@@ -6204,6 +5980,13 @@
       </p:transition>
     </mc:Fallback>
   </mc:AlternateContent>
+  <p:timing>
+    <p:tnLst>
+      <p:par>
+        <p:cTn id="1" dur="indefinite" restart="never" nodeType="tmRoot"/>
+      </p:par>
+    </p:tnLst>
+  </p:timing>
 </p:sldLayout>
 </file>
 
@@ -7076,7 +6859,7 @@
             </a:ln>
             <a:extLst>
               <a:ext uri="{91240B29-F687-4f45-9708-019B960494DF}">
-                <a14:hiddenLine xmlns:a14="http://schemas.microsoft.com/office/drawing/2010/main" xmlns="" w="9525">
+                <a14:hiddenLine xmlns="" xmlns:a14="http://schemas.microsoft.com/office/drawing/2010/main" w="9525">
                   <a:solidFill>
                     <a:srgbClr val="000000"/>
                   </a:solidFill>
@@ -7211,7 +6994,7 @@
             </a:ln>
             <a:extLst>
               <a:ext uri="{91240B29-F687-4f45-9708-019B960494DF}">
-                <a14:hiddenLine xmlns:a14="http://schemas.microsoft.com/office/drawing/2010/main" xmlns="" w="9525">
+                <a14:hiddenLine xmlns="" xmlns:a14="http://schemas.microsoft.com/office/drawing/2010/main" w="9525">
                   <a:solidFill>
                     <a:srgbClr val="000000"/>
                   </a:solidFill>
@@ -7316,7 +7099,7 @@
             </a:ln>
             <a:extLst>
               <a:ext uri="{91240B29-F687-4f45-9708-019B960494DF}">
-                <a14:hiddenLine xmlns:a14="http://schemas.microsoft.com/office/drawing/2010/main" xmlns="" w="9525">
+                <a14:hiddenLine xmlns="" xmlns:a14="http://schemas.microsoft.com/office/drawing/2010/main" w="9525">
                   <a:solidFill>
                     <a:srgbClr val="000000"/>
                   </a:solidFill>
@@ -7350,7 +7133,12 @@
             <p:ph type="dt" sz="half" idx="10"/>
           </p:nvPr>
         </p:nvSpPr>
-        <p:spPr/>
+        <p:spPr>
+          <a:xfrm>
+            <a:off x="1192213" y="8647113"/>
+            <a:ext cx="1213530" cy="519112"/>
+          </a:xfrm>
+        </p:spPr>
         <p:txBody>
           <a:bodyPr/>
           <a:lstStyle>
@@ -7365,7 +7153,7 @@
           <a:p>
             <a:fld id="{CBC34971-8DF3-4F27-9991-E37B110D9ED4}" type="datetime1">
               <a:rPr lang="de-DE" smtClean="0"/>
-              <a:t>18.05.2018</a:t>
+              <a:t>20.05.2018</a:t>
             </a:fld>
             <a:endParaRPr lang="de-DE"/>
           </a:p>
@@ -7381,7 +7169,12 @@
             <p:ph type="ftr" sz="quarter" idx="11"/>
           </p:nvPr>
         </p:nvSpPr>
-        <p:spPr/>
+        <p:spPr>
+          <a:xfrm>
+            <a:off x="2643415" y="8647113"/>
+            <a:ext cx="6595738" cy="519112"/>
+          </a:xfrm>
+        </p:spPr>
         <p:txBody>
           <a:bodyPr/>
           <a:lstStyle>
@@ -7395,8 +7188,12 @@
           </a:lstStyle>
           <a:p>
             <a:r>
-              <a:rPr lang="en-US"/>
-              <a:t>Configurable in Head- and Footnote section</a:t>
+              <a:rPr lang="en-US" dirty="0" smtClean="0"/>
+              <a:t>TYPO3camp </a:t>
+            </a:r>
+            <a:r>
+              <a:rPr lang="en-US" dirty="0" err="1" smtClean="0"/>
+              <a:t>Zentralschweiz</a:t>
             </a:r>
             <a:endParaRPr lang="de-DE" dirty="0"/>
           </a:p>
@@ -7448,6 +7245,13 @@
       </p:transition>
     </mc:Fallback>
   </mc:AlternateContent>
+  <p:timing>
+    <p:tnLst>
+      <p:par>
+        <p:cTn id="1" dur="indefinite" restart="never" nodeType="tmRoot"/>
+      </p:par>
+    </p:tnLst>
+  </p:timing>
 </p:sldLayout>
 </file>
 
@@ -8176,7 +7980,7 @@
             </a:ln>
             <a:extLst>
               <a:ext uri="{91240B29-F687-4f45-9708-019B960494DF}">
-                <a14:hiddenLine xmlns:a14="http://schemas.microsoft.com/office/drawing/2010/main" xmlns="" w="9525">
+                <a14:hiddenLine xmlns="" xmlns:a14="http://schemas.microsoft.com/office/drawing/2010/main" w="9525">
                   <a:solidFill>
                     <a:srgbClr val="000000"/>
                   </a:solidFill>
@@ -8311,7 +8115,7 @@
             </a:ln>
             <a:extLst>
               <a:ext uri="{91240B29-F687-4f45-9708-019B960494DF}">
-                <a14:hiddenLine xmlns:a14="http://schemas.microsoft.com/office/drawing/2010/main" xmlns="" w="9525">
+                <a14:hiddenLine xmlns="" xmlns:a14="http://schemas.microsoft.com/office/drawing/2010/main" w="9525">
                   <a:solidFill>
                     <a:srgbClr val="000000"/>
                   </a:solidFill>
@@ -8416,7 +8220,7 @@
             </a:ln>
             <a:extLst>
               <a:ext uri="{91240B29-F687-4f45-9708-019B960494DF}">
-                <a14:hiddenLine xmlns:a14="http://schemas.microsoft.com/office/drawing/2010/main" xmlns="" w="9525">
+                <a14:hiddenLine xmlns="" xmlns:a14="http://schemas.microsoft.com/office/drawing/2010/main" w="9525">
                   <a:solidFill>
                     <a:srgbClr val="000000"/>
                   </a:solidFill>
@@ -8465,7 +8269,7 @@
           <a:p>
             <a:fld id="{9CC2C9C0-3975-40D2-9E8A-C931B5432789}" type="datetime1">
               <a:rPr lang="de-DE" smtClean="0"/>
-              <a:t>18.05.2018</a:t>
+              <a:t>20.05.2018</a:t>
             </a:fld>
             <a:endParaRPr lang="de-DE"/>
           </a:p>
@@ -9282,7 +9086,7 @@
             </a:ln>
             <a:extLst>
               <a:ext uri="{91240B29-F687-4f45-9708-019B960494DF}">
-                <a14:hiddenLine xmlns:a14="http://schemas.microsoft.com/office/drawing/2010/main" xmlns="" w="9525">
+                <a14:hiddenLine xmlns="" xmlns:a14="http://schemas.microsoft.com/office/drawing/2010/main" w="9525">
                   <a:solidFill>
                     <a:srgbClr val="000000"/>
                   </a:solidFill>
@@ -9417,7 +9221,7 @@
             </a:ln>
             <a:extLst>
               <a:ext uri="{91240B29-F687-4f45-9708-019B960494DF}">
-                <a14:hiddenLine xmlns:a14="http://schemas.microsoft.com/office/drawing/2010/main" xmlns="" w="9525">
+                <a14:hiddenLine xmlns="" xmlns:a14="http://schemas.microsoft.com/office/drawing/2010/main" w="9525">
                   <a:solidFill>
                     <a:srgbClr val="000000"/>
                   </a:solidFill>
@@ -9522,7 +9326,7 @@
             </a:ln>
             <a:extLst>
               <a:ext uri="{91240B29-F687-4f45-9708-019B960494DF}">
-                <a14:hiddenLine xmlns:a14="http://schemas.microsoft.com/office/drawing/2010/main" xmlns="" w="9525">
+                <a14:hiddenLine xmlns="" xmlns:a14="http://schemas.microsoft.com/office/drawing/2010/main" w="9525">
                   <a:solidFill>
                     <a:srgbClr val="000000"/>
                   </a:solidFill>
@@ -9571,7 +9375,7 @@
           <a:p>
             <a:fld id="{55518817-AE4E-4579-A11C-E40E64C81D87}" type="datetime1">
               <a:rPr lang="de-DE" smtClean="0"/>
-              <a:t>18.05.2018</a:t>
+              <a:t>20.05.2018</a:t>
             </a:fld>
             <a:endParaRPr lang="de-DE"/>
           </a:p>
@@ -10395,7 +10199,7 @@
             </a:ln>
             <a:extLst>
               <a:ext uri="{91240B29-F687-4f45-9708-019B960494DF}">
-                <a14:hiddenLine xmlns:a14="http://schemas.microsoft.com/office/drawing/2010/main" xmlns="" w="9525">
+                <a14:hiddenLine xmlns="" xmlns:a14="http://schemas.microsoft.com/office/drawing/2010/main" w="9525">
                   <a:solidFill>
                     <a:srgbClr val="000000"/>
                   </a:solidFill>
@@ -10530,7 +10334,7 @@
             </a:ln>
             <a:extLst>
               <a:ext uri="{91240B29-F687-4f45-9708-019B960494DF}">
-                <a14:hiddenLine xmlns:a14="http://schemas.microsoft.com/office/drawing/2010/main" xmlns="" w="9525">
+                <a14:hiddenLine xmlns="" xmlns:a14="http://schemas.microsoft.com/office/drawing/2010/main" w="9525">
                   <a:solidFill>
                     <a:srgbClr val="000000"/>
                   </a:solidFill>
@@ -10635,7 +10439,7 @@
             </a:ln>
             <a:extLst>
               <a:ext uri="{91240B29-F687-4f45-9708-019B960494DF}">
-                <a14:hiddenLine xmlns:a14="http://schemas.microsoft.com/office/drawing/2010/main" xmlns="" w="9525">
+                <a14:hiddenLine xmlns="" xmlns:a14="http://schemas.microsoft.com/office/drawing/2010/main" w="9525">
                   <a:solidFill>
                     <a:srgbClr val="000000"/>
                   </a:solidFill>
@@ -10684,7 +10488,7 @@
           <a:p>
             <a:fld id="{601D7F9D-6DB5-46CA-AE94-604571E72B26}" type="datetime1">
               <a:rPr lang="de-DE" smtClean="0"/>
-              <a:t>18.05.2018</a:t>
+              <a:t>20.05.2018</a:t>
             </a:fld>
             <a:endParaRPr lang="de-DE"/>
           </a:p>
@@ -11506,7 +11310,7 @@
             </a:ln>
             <a:extLst>
               <a:ext uri="{91240B29-F687-4f45-9708-019B960494DF}">
-                <a14:hiddenLine xmlns:a14="http://schemas.microsoft.com/office/drawing/2010/main" xmlns="" w="9525">
+                <a14:hiddenLine xmlns="" xmlns:a14="http://schemas.microsoft.com/office/drawing/2010/main" w="9525">
                   <a:solidFill>
                     <a:srgbClr val="000000"/>
                   </a:solidFill>
@@ -11641,7 +11445,7 @@
             </a:ln>
             <a:extLst>
               <a:ext uri="{91240B29-F687-4f45-9708-019B960494DF}">
-                <a14:hiddenLine xmlns:a14="http://schemas.microsoft.com/office/drawing/2010/main" xmlns="" w="9525">
+                <a14:hiddenLine xmlns="" xmlns:a14="http://schemas.microsoft.com/office/drawing/2010/main" w="9525">
                   <a:solidFill>
                     <a:srgbClr val="000000"/>
                   </a:solidFill>
@@ -11746,7 +11550,7 @@
             </a:ln>
             <a:extLst>
               <a:ext uri="{91240B29-F687-4f45-9708-019B960494DF}">
-                <a14:hiddenLine xmlns:a14="http://schemas.microsoft.com/office/drawing/2010/main" xmlns="" w="9525">
+                <a14:hiddenLine xmlns="" xmlns:a14="http://schemas.microsoft.com/office/drawing/2010/main" w="9525">
                   <a:solidFill>
                     <a:srgbClr val="000000"/>
                   </a:solidFill>
@@ -11795,7 +11599,7 @@
           <a:p>
             <a:fld id="{F5781044-E174-49F6-A798-C2FCAEF668A6}" type="datetime1">
               <a:rPr lang="de-DE" smtClean="0"/>
-              <a:t>18.05.2018</a:t>
+              <a:t>20.05.2018</a:t>
             </a:fld>
             <a:endParaRPr lang="de-DE"/>
           </a:p>
@@ -12133,14 +11937,19 @@
             <p:ph type="dt" sz="half" idx="10"/>
           </p:nvPr>
         </p:nvSpPr>
-        <p:spPr/>
+        <p:spPr>
+          <a:xfrm>
+            <a:off x="1192213" y="8647113"/>
+            <a:ext cx="937801" cy="519112"/>
+          </a:xfrm>
+        </p:spPr>
         <p:txBody>
           <a:bodyPr/>
           <a:lstStyle/>
           <a:p>
             <a:fld id="{BA1999B4-2296-4B3C-9E42-F536B7F9EE6F}" type="datetime1">
               <a:rPr lang="de-DE" smtClean="0"/>
-              <a:t>18.05.2018</a:t>
+              <a:t>20.05.2018</a:t>
             </a:fld>
             <a:endParaRPr lang="de-DE"/>
           </a:p>
@@ -12156,7 +11965,12 @@
             <p:ph type="ftr" sz="quarter" idx="11"/>
           </p:nvPr>
         </p:nvSpPr>
-        <p:spPr/>
+        <p:spPr>
+          <a:xfrm>
+            <a:off x="2405743" y="8647113"/>
+            <a:ext cx="6595738" cy="519112"/>
+          </a:xfrm>
+        </p:spPr>
         <p:txBody>
           <a:bodyPr/>
           <a:lstStyle/>
@@ -12764,7 +12578,7 @@
           <a:p>
             <a:fld id="{9EDE799C-E208-49A2-A016-F6D3A8C88530}" type="datetime1">
               <a:rPr lang="de-DE" smtClean="0"/>
-              <a:t>18.05.2018</a:t>
+              <a:t>20.05.2018</a:t>
             </a:fld>
             <a:endParaRPr lang="de-DE"/>
           </a:p>
@@ -12979,7 +12793,7 @@
           <a:p>
             <a:fld id="{751548CB-F427-41BB-8B82-B9CA3F4EF425}" type="datetime1">
               <a:rPr lang="de-DE" smtClean="0"/>
-              <a:t>18.05.2018</a:t>
+              <a:t>20.05.2018</a:t>
             </a:fld>
             <a:endParaRPr lang="de-DE"/>
           </a:p>
@@ -13670,7 +13484,7 @@
             </a:ln>
             <a:extLst>
               <a:ext uri="{91240B29-F687-4f45-9708-019B960494DF}">
-                <a14:hiddenLine xmlns:a14="http://schemas.microsoft.com/office/drawing/2010/main" xmlns="" w="9525">
+                <a14:hiddenLine xmlns="" xmlns:a14="http://schemas.microsoft.com/office/drawing/2010/main" w="9525">
                   <a:solidFill>
                     <a:srgbClr val="000000"/>
                   </a:solidFill>
@@ -14356,7 +14170,7 @@
       </p:grpSpPr>
       <p:sp>
         <p:nvSpPr>
-          <p:cNvPr id="2" name="Title 1"/>
+          <p:cNvPr id="2" name="Titel 1"/>
           <p:cNvSpPr>
             <a:spLocks noGrp="1"/>
           </p:cNvSpPr>
@@ -14364,118 +14178,118 @@
             <p:ph type="title"/>
           </p:nvPr>
         </p:nvSpPr>
-        <p:spPr/>
+        <p:spPr>
+          <a:xfrm>
+            <a:off x="1180953" y="1465334"/>
+            <a:ext cx="12686624" cy="3811375"/>
+          </a:xfrm>
+          <a:prstGeom prst="rect">
+            <a:avLst/>
+          </a:prstGeom>
+        </p:spPr>
         <p:txBody>
-          <a:bodyPr>
-            <a:normAutofit/>
-          </a:bodyPr>
+          <a:bodyPr numCol="1"/>
           <a:lstStyle/>
           <a:p>
             <a:r>
-              <a:rPr lang="en-US" dirty="0" smtClean="0"/>
-              <a:t>Forge</a:t>
-            </a:r>
-            <a:endParaRPr lang="en-US" dirty="0"/>
+              <a:rPr lang="de-DE" altLang="de-DE" dirty="0"/>
+              <a:t>TYPO3 Contribution</a:t>
+            </a:r>
           </a:p>
         </p:txBody>
       </p:sp>
       <p:sp>
         <p:nvSpPr>
-          <p:cNvPr id="7" name="Text Placeholder 6"/>
+          <p:cNvPr id="4" name="Textplatzhalter 3"/>
           <p:cNvSpPr>
             <a:spLocks noGrp="1"/>
           </p:cNvSpPr>
           <p:nvPr>
-            <p:ph type="body" idx="1"/>
+            <p:ph type="body" sz="quarter" idx="10"/>
           </p:nvPr>
         </p:nvSpPr>
         <p:spPr/>
         <p:txBody>
-          <a:bodyPr/>
+          <a:bodyPr numCol="1">
+            <a:normAutofit/>
+          </a:bodyPr>
           <a:lstStyle/>
           <a:p>
             <a:r>
-              <a:rPr lang="en-US" dirty="0"/>
-              <a:t>https://forge.typo3.org/</a:t>
-            </a:r>
-            <a:endParaRPr lang="en-US" dirty="0"/>
+              <a:rPr dirty="0"/>
+              <a:t>Gianluigi Martino</a:t>
+            </a:r>
+            <a:endParaRPr lang="de-DE" altLang="de-DE" dirty="0"/>
           </a:p>
         </p:txBody>
       </p:sp>
       <p:sp>
         <p:nvSpPr>
-          <p:cNvPr id="4" name="Date Placeholder 3"/>
+          <p:cNvPr id="5" name="Textplatzhalter 4"/>
           <p:cNvSpPr>
             <a:spLocks noGrp="1"/>
           </p:cNvSpPr>
           <p:nvPr>
-            <p:ph type="dt" sz="half" idx="10"/>
+            <p:ph type="body" sz="quarter" idx="12"/>
           </p:nvPr>
         </p:nvSpPr>
-        <p:spPr/>
+        <p:spPr>
+          <a:xfrm>
+            <a:off x="11068666" y="7833157"/>
+            <a:ext cx="5480108" cy="319064"/>
+          </a:xfrm>
+        </p:spPr>
         <p:txBody>
-          <a:bodyPr/>
+          <a:bodyPr numCol="1">
+            <a:normAutofit lnSpcReduction="10000"/>
+          </a:bodyPr>
           <a:lstStyle/>
           <a:p>
-            <a:fld id="{BA1999B4-2296-4B3C-9E42-F536B7F9EE6F}" type="datetime1">
-              <a:rPr lang="de-DE" smtClean="0"/>
-              <a:t>18.05.2018</a:t>
-            </a:fld>
-            <a:endParaRPr lang="de-DE"/>
+            <a:r>
+              <a:rPr lang="de-DE" altLang="de-DE" dirty="0" smtClean="0"/>
+              <a:t>gmartino27@gmail.com</a:t>
+            </a:r>
+            <a:endParaRPr lang="de-DE" altLang="de-DE" dirty="0"/>
+          </a:p>
+          <a:p>
+            <a:endParaRPr lang="de-DE" altLang="de-DE" dirty="0"/>
           </a:p>
         </p:txBody>
       </p:sp>
       <p:sp>
         <p:nvSpPr>
-          <p:cNvPr id="5" name="Footer Placeholder 4"/>
+          <p:cNvPr id="7" name="Textplatzhalter 6"/>
           <p:cNvSpPr>
             <a:spLocks noGrp="1"/>
           </p:cNvSpPr>
           <p:nvPr>
-            <p:ph type="ftr" sz="quarter" idx="11"/>
+            <p:ph type="body" sz="quarter" idx="14"/>
           </p:nvPr>
         </p:nvSpPr>
-        <p:spPr/>
+        <p:spPr>
+          <a:xfrm>
+            <a:off x="1181101" y="5257808"/>
+            <a:ext cx="7545279" cy="582298"/>
+          </a:xfrm>
+        </p:spPr>
         <p:txBody>
-          <a:bodyPr/>
+          <a:bodyPr numCol="1">
+            <a:normAutofit fontScale="92500"/>
+          </a:bodyPr>
           <a:lstStyle/>
           <a:p>
             <a:r>
-              <a:rPr lang="en-US" smtClean="0"/>
-              <a:t>Configurable in Head- and Footnote section</a:t>
-            </a:r>
-            <a:endParaRPr lang="de-DE" dirty="0"/>
-          </a:p>
-        </p:txBody>
-      </p:sp>
-      <p:sp>
-        <p:nvSpPr>
-          <p:cNvPr id="6" name="Slide Number Placeholder 5"/>
-          <p:cNvSpPr>
-            <a:spLocks noGrp="1"/>
-          </p:cNvSpPr>
-          <p:nvPr>
-            <p:ph type="sldNum" sz="quarter" idx="12"/>
-          </p:nvPr>
-        </p:nvSpPr>
-        <p:spPr/>
-        <p:txBody>
-          <a:bodyPr/>
-          <a:lstStyle/>
-          <a:p>
-            <a:fld id="{65E165E3-9F3F-42C5-BA80-C72A143CE083}" type="slidenum">
-              <a:rPr lang="de-DE" smtClean="0"/>
-              <a:pPr/>
-              <a:t>1</a:t>
-            </a:fld>
-            <a:endParaRPr lang="de-DE"/>
+              <a:rPr/>
+              <a:t>TYPO3camp Zentralschweiz 2018</a:t>
+            </a:r>
+            <a:endParaRPr lang="de-DE" altLang="de-DE" dirty="0"/>
           </a:p>
         </p:txBody>
       </p:sp>
     </p:spTree>
     <p:extLst>
       <p:ext uri="{BB962C8B-B14F-4D97-AF65-F5344CB8AC3E}">
-        <p14:creationId xmlns:p14="http://schemas.microsoft.com/office/powerpoint/2010/main" val="3948257798"/>
+        <p14:creationId xmlns:p14="http://schemas.microsoft.com/office/powerpoint/2010/main" val="2493577637"/>
       </p:ext>
     </p:extLst>
   </p:cSld>
@@ -14523,6 +14337,932 @@
       </p:grpSpPr>
       <p:sp>
         <p:nvSpPr>
+          <p:cNvPr id="2" name="Title 1"/>
+          <p:cNvSpPr>
+            <a:spLocks noGrp="1"/>
+          </p:cNvSpPr>
+          <p:nvPr>
+            <p:ph type="title"/>
+          </p:nvPr>
+        </p:nvSpPr>
+        <p:spPr/>
+        <p:txBody>
+          <a:bodyPr>
+            <a:normAutofit fontScale="90000"/>
+          </a:bodyPr>
+          <a:lstStyle/>
+          <a:p>
+            <a:pPr lvl="0"/>
+            <a:r>
+              <a:rPr lang="en-US" sz="3600" b="1" kern="1200" cap="all" baseline="0" dirty="0" smtClean="0">
+                <a:solidFill>
+                  <a:schemeClr val="tx1"/>
+                </a:solidFill>
+                <a:latin typeface="+mj-lt"/>
+                <a:ea typeface="+mj-ea"/>
+                <a:cs typeface="+mj-cs"/>
+              </a:rPr>
+              <a:t>Code reviews</a:t>
+            </a:r>
+            <a:endParaRPr lang="en-US" dirty="0"/>
+          </a:p>
+        </p:txBody>
+      </p:sp>
+      <p:sp>
+        <p:nvSpPr>
+          <p:cNvPr id="3" name="Content Placeholder 2"/>
+          <p:cNvSpPr>
+            <a:spLocks noGrp="1"/>
+          </p:cNvSpPr>
+          <p:nvPr>
+            <p:ph idx="1"/>
+          </p:nvPr>
+        </p:nvSpPr>
+        <p:spPr/>
+        <p:txBody>
+          <a:bodyPr>
+            <a:normAutofit/>
+          </a:bodyPr>
+          <a:lstStyle/>
+          <a:p>
+            <a:pPr lvl="1"/>
+            <a:r>
+              <a:rPr lang="en-US" dirty="0" smtClean="0"/>
+              <a:t>Download “</a:t>
+            </a:r>
+            <a:r>
+              <a:rPr lang="de-CH" dirty="0"/>
+              <a:t>Cherry </a:t>
+            </a:r>
+            <a:r>
+              <a:rPr lang="de-CH" dirty="0" smtClean="0"/>
+              <a:t>Pick"</a:t>
+            </a:r>
+            <a:endParaRPr lang="en-US" dirty="0" smtClean="0"/>
+          </a:p>
+          <a:p>
+            <a:pPr lvl="1"/>
+            <a:r>
+              <a:rPr lang="en-US" dirty="0" smtClean="0"/>
+              <a:t>Take time </a:t>
+            </a:r>
+            <a:r>
+              <a:rPr lang="en-US" dirty="0"/>
+              <a:t>to review </a:t>
+            </a:r>
+            <a:r>
+              <a:rPr lang="en-US" dirty="0" smtClean="0"/>
+              <a:t>correctly</a:t>
+            </a:r>
+            <a:endParaRPr lang="en-US" dirty="0"/>
+          </a:p>
+          <a:p>
+            <a:pPr lvl="1"/>
+            <a:r>
+              <a:rPr lang="en-US" sz="5400" kern="1200" dirty="0" smtClean="0">
+                <a:solidFill>
+                  <a:schemeClr val="tx1"/>
+                </a:solidFill>
+                <a:latin typeface="+mn-lt"/>
+                <a:ea typeface="+mn-ea"/>
+                <a:cs typeface="+mn-cs"/>
+              </a:rPr>
+              <a:t>“</a:t>
+            </a:r>
+            <a:r>
+              <a:rPr lang="en-US" dirty="0"/>
+              <a:t>Don't worry, nothing will </a:t>
+            </a:r>
+            <a:r>
+              <a:rPr lang="en-US" dirty="0" smtClean="0"/>
+              <a:t>break”</a:t>
+            </a:r>
+          </a:p>
+          <a:p>
+            <a:pPr lvl="1"/>
+            <a:r>
+              <a:rPr lang="en-US" dirty="0" smtClean="0"/>
+              <a:t>“Core” developers look at each patch</a:t>
+            </a:r>
+          </a:p>
+          <a:p>
+            <a:pPr lvl="1"/>
+            <a:r>
+              <a:rPr lang="en-US" dirty="0"/>
+              <a:t>Reply with "-1" "0" "+1" and </a:t>
+            </a:r>
+            <a:r>
+              <a:rPr lang="en-US" dirty="0" smtClean="0"/>
+              <a:t>comment </a:t>
+            </a:r>
+          </a:p>
+          <a:p>
+            <a:pPr lvl="1"/>
+            <a:r>
+              <a:rPr lang="en-US" dirty="0" smtClean="0"/>
+              <a:t>Patches with “-2” </a:t>
+            </a:r>
+            <a:r>
+              <a:rPr lang="en-US" dirty="0" smtClean="0">
+                <a:sym typeface="Wingdings" panose="05000000000000000000" pitchFamily="2" charset="2"/>
+              </a:rPr>
+              <a:t> no chance to merge</a:t>
+            </a:r>
+            <a:endParaRPr lang="en-US" dirty="0" smtClean="0"/>
+          </a:p>
+        </p:txBody>
+      </p:sp>
+      <p:sp>
+        <p:nvSpPr>
+          <p:cNvPr id="4" name="Date Placeholder 3"/>
+          <p:cNvSpPr>
+            <a:spLocks noGrp="1"/>
+          </p:cNvSpPr>
+          <p:nvPr>
+            <p:ph type="dt" sz="half" idx="10"/>
+          </p:nvPr>
+        </p:nvSpPr>
+        <p:spPr>
+          <a:xfrm>
+            <a:off x="1192213" y="8647113"/>
+            <a:ext cx="881387" cy="519112"/>
+          </a:xfrm>
+        </p:spPr>
+        <p:txBody>
+          <a:bodyPr/>
+          <a:lstStyle/>
+          <a:p>
+            <a:fld id="{BA1999B4-2296-4B3C-9E42-F536B7F9EE6F}" type="datetime1">
+              <a:rPr lang="de-DE" smtClean="0"/>
+              <a:t>20.05.2018</a:t>
+            </a:fld>
+            <a:endParaRPr lang="de-DE" dirty="0"/>
+          </a:p>
+        </p:txBody>
+      </p:sp>
+      <p:sp>
+        <p:nvSpPr>
+          <p:cNvPr id="5" name="Footer Placeholder 4"/>
+          <p:cNvSpPr>
+            <a:spLocks noGrp="1"/>
+          </p:cNvSpPr>
+          <p:nvPr>
+            <p:ph type="ftr" sz="quarter" idx="11"/>
+          </p:nvPr>
+        </p:nvSpPr>
+        <p:spPr>
+          <a:xfrm>
+            <a:off x="2170419" y="8647113"/>
+            <a:ext cx="6595738" cy="519112"/>
+          </a:xfrm>
+        </p:spPr>
+        <p:txBody>
+          <a:bodyPr/>
+          <a:lstStyle/>
+          <a:p>
+            <a:r>
+              <a:rPr lang="de-CH" dirty="0"/>
+              <a:t>TYPO3camp Zentralschweiz</a:t>
+            </a:r>
+            <a:endParaRPr lang="de-CH" altLang="de-DE" dirty="0"/>
+          </a:p>
+        </p:txBody>
+      </p:sp>
+      <p:sp>
+        <p:nvSpPr>
+          <p:cNvPr id="6" name="Slide Number Placeholder 5"/>
+          <p:cNvSpPr>
+            <a:spLocks noGrp="1"/>
+          </p:cNvSpPr>
+          <p:nvPr>
+            <p:ph type="sldNum" sz="quarter" idx="12"/>
+          </p:nvPr>
+        </p:nvSpPr>
+        <p:spPr/>
+        <p:txBody>
+          <a:bodyPr/>
+          <a:lstStyle/>
+          <a:p>
+            <a:fld id="{65E165E3-9F3F-42C5-BA80-C72A143CE083}" type="slidenum">
+              <a:rPr lang="de-DE" smtClean="0"/>
+              <a:pPr/>
+              <a:t>10</a:t>
+            </a:fld>
+            <a:endParaRPr lang="de-DE"/>
+          </a:p>
+        </p:txBody>
+      </p:sp>
+    </p:spTree>
+    <p:extLst>
+      <p:ext uri="{BB962C8B-B14F-4D97-AF65-F5344CB8AC3E}">
+        <p14:creationId xmlns:p14="http://schemas.microsoft.com/office/powerpoint/2010/main" val="3969420925"/>
+      </p:ext>
+    </p:extLst>
+  </p:cSld>
+  <p:clrMapOvr>
+    <a:masterClrMapping/>
+  </p:clrMapOvr>
+  <mc:AlternateContent xmlns:mc="http://schemas.openxmlformats.org/markup-compatibility/2006" xmlns:p14="http://schemas.microsoft.com/office/powerpoint/2010/main">
+    <mc:Choice Requires="p14">
+      <p:transition spd="slow" p14:dur="800">
+        <p14:flythrough/>
+      </p:transition>
+    </mc:Choice>
+    <mc:Fallback xmlns="">
+      <p:transition spd="slow">
+        <p:fade/>
+      </p:transition>
+    </mc:Fallback>
+  </mc:AlternateContent>
+  <p:timing>
+    <p:tnLst>
+      <p:par>
+        <p:cTn id="1" dur="indefinite" restart="never" nodeType="tmRoot"/>
+      </p:par>
+    </p:tnLst>
+  </p:timing>
+</p:sld>
+</file>
+
+<file path=ppt/slides/slide11.xml><?xml version="1.0" encoding="utf-8"?>
+<p:sld xmlns:a="http://schemas.openxmlformats.org/drawingml/2006/main" xmlns:r="http://schemas.openxmlformats.org/officeDocument/2006/relationships" xmlns:p="http://schemas.openxmlformats.org/presentationml/2006/main">
+  <p:cSld>
+    <p:spTree>
+      <p:nvGrpSpPr>
+        <p:cNvPr id="1" name=""/>
+        <p:cNvGrpSpPr/>
+        <p:nvPr/>
+      </p:nvGrpSpPr>
+      <p:grpSpPr>
+        <a:xfrm>
+          <a:off x="0" y="0"/>
+          <a:ext cx="0" cy="0"/>
+          <a:chOff x="0" y="0"/>
+          <a:chExt cx="0" cy="0"/>
+        </a:xfrm>
+      </p:grpSpPr>
+      <p:sp>
+        <p:nvSpPr>
+          <p:cNvPr id="2" name="Title 1"/>
+          <p:cNvSpPr>
+            <a:spLocks noGrp="1"/>
+          </p:cNvSpPr>
+          <p:nvPr>
+            <p:ph type="title"/>
+          </p:nvPr>
+        </p:nvSpPr>
+        <p:spPr/>
+        <p:txBody>
+          <a:bodyPr>
+            <a:normAutofit/>
+          </a:bodyPr>
+          <a:lstStyle/>
+          <a:p>
+            <a:r>
+              <a:rPr lang="en-US" dirty="0" err="1" smtClean="0"/>
+              <a:t>Bugfix</a:t>
+            </a:r>
+            <a:endParaRPr lang="en-US" dirty="0"/>
+          </a:p>
+        </p:txBody>
+      </p:sp>
+      <p:sp>
+        <p:nvSpPr>
+          <p:cNvPr id="7" name="Text Placeholder 6"/>
+          <p:cNvSpPr>
+            <a:spLocks noGrp="1"/>
+          </p:cNvSpPr>
+          <p:nvPr>
+            <p:ph type="body" idx="1"/>
+          </p:nvPr>
+        </p:nvSpPr>
+        <p:spPr/>
+        <p:txBody>
+          <a:bodyPr>
+            <a:normAutofit/>
+          </a:bodyPr>
+          <a:lstStyle/>
+          <a:p>
+            <a:r>
+              <a:rPr lang="en-US" dirty="0"/>
+              <a:t>https://forge.typo3.org</a:t>
+            </a:r>
+            <a:r>
+              <a:rPr lang="en-US" dirty="0" smtClean="0"/>
+              <a:t>/</a:t>
+            </a:r>
+          </a:p>
+          <a:p>
+            <a:r>
+              <a:rPr lang="en-US" dirty="0" smtClean="0"/>
+              <a:t>https</a:t>
+            </a:r>
+            <a:r>
+              <a:rPr lang="en-US" dirty="0"/>
+              <a:t>://review.typo3.org/</a:t>
+            </a:r>
+          </a:p>
+        </p:txBody>
+      </p:sp>
+      <p:sp>
+        <p:nvSpPr>
+          <p:cNvPr id="4" name="Date Placeholder 3"/>
+          <p:cNvSpPr>
+            <a:spLocks noGrp="1"/>
+          </p:cNvSpPr>
+          <p:nvPr>
+            <p:ph type="dt" sz="half" idx="10"/>
+          </p:nvPr>
+        </p:nvSpPr>
+        <p:spPr/>
+        <p:txBody>
+          <a:bodyPr/>
+          <a:lstStyle/>
+          <a:p>
+            <a:fld id="{BA1999B4-2296-4B3C-9E42-F536B7F9EE6F}" type="datetime1">
+              <a:rPr lang="de-DE" smtClean="0"/>
+              <a:t>20.05.2018</a:t>
+            </a:fld>
+            <a:endParaRPr lang="de-DE"/>
+          </a:p>
+        </p:txBody>
+      </p:sp>
+      <p:sp>
+        <p:nvSpPr>
+          <p:cNvPr id="5" name="Footer Placeholder 4"/>
+          <p:cNvSpPr>
+            <a:spLocks noGrp="1"/>
+          </p:cNvSpPr>
+          <p:nvPr>
+            <p:ph type="ftr" sz="quarter" idx="11"/>
+          </p:nvPr>
+        </p:nvSpPr>
+        <p:spPr/>
+        <p:txBody>
+          <a:bodyPr/>
+          <a:lstStyle/>
+          <a:p>
+            <a:r>
+              <a:rPr lang="de-CH" dirty="0"/>
+              <a:t>TYPO3camp Zentralschweiz</a:t>
+            </a:r>
+            <a:endParaRPr lang="de-CH" altLang="de-DE" dirty="0"/>
+          </a:p>
+        </p:txBody>
+      </p:sp>
+      <p:sp>
+        <p:nvSpPr>
+          <p:cNvPr id="6" name="Slide Number Placeholder 5"/>
+          <p:cNvSpPr>
+            <a:spLocks noGrp="1"/>
+          </p:cNvSpPr>
+          <p:nvPr>
+            <p:ph type="sldNum" sz="quarter" idx="12"/>
+          </p:nvPr>
+        </p:nvSpPr>
+        <p:spPr/>
+        <p:txBody>
+          <a:bodyPr/>
+          <a:lstStyle/>
+          <a:p>
+            <a:fld id="{65E165E3-9F3F-42C5-BA80-C72A143CE083}" type="slidenum">
+              <a:rPr lang="de-DE" smtClean="0"/>
+              <a:pPr/>
+              <a:t>11</a:t>
+            </a:fld>
+            <a:endParaRPr lang="de-DE"/>
+          </a:p>
+        </p:txBody>
+      </p:sp>
+    </p:spTree>
+    <p:extLst>
+      <p:ext uri="{BB962C8B-B14F-4D97-AF65-F5344CB8AC3E}">
+        <p14:creationId xmlns:p14="http://schemas.microsoft.com/office/powerpoint/2010/main" val="3004992473"/>
+      </p:ext>
+    </p:extLst>
+  </p:cSld>
+  <p:clrMapOvr>
+    <a:masterClrMapping/>
+  </p:clrMapOvr>
+  <mc:AlternateContent xmlns:mc="http://schemas.openxmlformats.org/markup-compatibility/2006" xmlns:p14="http://schemas.microsoft.com/office/powerpoint/2010/main">
+    <mc:Choice Requires="p14">
+      <p:transition spd="slow" p14:dur="800">
+        <p14:flythrough/>
+      </p:transition>
+    </mc:Choice>
+    <mc:Fallback xmlns="">
+      <p:transition spd="slow">
+        <p:fade/>
+      </p:transition>
+    </mc:Fallback>
+  </mc:AlternateContent>
+  <p:timing>
+    <p:tnLst>
+      <p:par>
+        <p:cTn id="1" dur="indefinite" restart="never" nodeType="tmRoot"/>
+      </p:par>
+    </p:tnLst>
+  </p:timing>
+</p:sld>
+</file>
+
+<file path=ppt/slides/slide12.xml><?xml version="1.0" encoding="utf-8"?>
+<p:sld xmlns:a="http://schemas.openxmlformats.org/drawingml/2006/main" xmlns:r="http://schemas.openxmlformats.org/officeDocument/2006/relationships" xmlns:p="http://schemas.openxmlformats.org/presentationml/2006/main">
+  <p:cSld>
+    <p:spTree>
+      <p:nvGrpSpPr>
+        <p:cNvPr id="1" name=""/>
+        <p:cNvGrpSpPr/>
+        <p:nvPr/>
+      </p:nvGrpSpPr>
+      <p:grpSpPr>
+        <a:xfrm>
+          <a:off x="0" y="0"/>
+          <a:ext cx="0" cy="0"/>
+          <a:chOff x="0" y="0"/>
+          <a:chExt cx="0" cy="0"/>
+        </a:xfrm>
+      </p:grpSpPr>
+      <p:sp>
+        <p:nvSpPr>
+          <p:cNvPr id="2" name="Title 1"/>
+          <p:cNvSpPr>
+            <a:spLocks noGrp="1"/>
+          </p:cNvSpPr>
+          <p:nvPr>
+            <p:ph type="title"/>
+          </p:nvPr>
+        </p:nvSpPr>
+        <p:spPr/>
+        <p:txBody>
+          <a:bodyPr>
+            <a:normAutofit fontScale="90000"/>
+          </a:bodyPr>
+          <a:lstStyle/>
+          <a:p>
+            <a:pPr lvl="0"/>
+            <a:r>
+              <a:rPr lang="en-US" sz="3600" b="1" kern="1200" cap="all" baseline="0" dirty="0" err="1" smtClean="0">
+                <a:solidFill>
+                  <a:schemeClr val="tx1"/>
+                </a:solidFill>
+                <a:latin typeface="+mj-lt"/>
+                <a:ea typeface="+mj-ea"/>
+                <a:cs typeface="+mj-cs"/>
+              </a:rPr>
+              <a:t>Bugfix</a:t>
+            </a:r>
+            <a:endParaRPr lang="en-US" dirty="0"/>
+          </a:p>
+        </p:txBody>
+      </p:sp>
+      <p:sp>
+        <p:nvSpPr>
+          <p:cNvPr id="3" name="Content Placeholder 2"/>
+          <p:cNvSpPr>
+            <a:spLocks noGrp="1"/>
+          </p:cNvSpPr>
+          <p:nvPr>
+            <p:ph idx="1"/>
+          </p:nvPr>
+        </p:nvSpPr>
+        <p:spPr/>
+        <p:txBody>
+          <a:bodyPr>
+            <a:normAutofit/>
+          </a:bodyPr>
+          <a:lstStyle/>
+          <a:p>
+            <a:pPr lvl="1"/>
+            <a:r>
+              <a:rPr lang="de-CH" dirty="0"/>
+              <a:t>Setting </a:t>
+            </a:r>
+            <a:r>
+              <a:rPr lang="de-CH" dirty="0" err="1"/>
+              <a:t>up</a:t>
+            </a:r>
+            <a:r>
+              <a:rPr lang="de-CH" dirty="0"/>
+              <a:t> </a:t>
+            </a:r>
+            <a:r>
+              <a:rPr lang="de-CH" dirty="0" err="1"/>
+              <a:t>your</a:t>
+            </a:r>
+            <a:r>
+              <a:rPr lang="de-CH" dirty="0"/>
+              <a:t> </a:t>
+            </a:r>
+            <a:r>
+              <a:rPr lang="de-CH" dirty="0" err="1"/>
+              <a:t>accounts</a:t>
+            </a:r>
+            <a:r>
+              <a:rPr lang="de-CH" dirty="0"/>
+              <a:t> </a:t>
+            </a:r>
+            <a:endParaRPr lang="de-CH" dirty="0" smtClean="0"/>
+          </a:p>
+          <a:p>
+            <a:pPr lvl="1"/>
+            <a:r>
+              <a:rPr lang="en-US" dirty="0"/>
+              <a:t>Setting up your </a:t>
+            </a:r>
+            <a:r>
+              <a:rPr lang="en-US" dirty="0" err="1"/>
+              <a:t>Git</a:t>
+            </a:r>
+            <a:r>
+              <a:rPr lang="en-US" dirty="0"/>
+              <a:t> environment </a:t>
+            </a:r>
+          </a:p>
+          <a:p>
+            <a:pPr lvl="1"/>
+            <a:r>
+              <a:rPr lang="en-US" dirty="0" smtClean="0"/>
+              <a:t>Make changes</a:t>
+            </a:r>
+          </a:p>
+          <a:p>
+            <a:pPr lvl="1"/>
+            <a:r>
+              <a:rPr lang="en-US" dirty="0" smtClean="0"/>
+              <a:t>Commit</a:t>
+            </a:r>
+          </a:p>
+          <a:p>
+            <a:pPr lvl="1"/>
+            <a:r>
+              <a:rPr lang="en-US" dirty="0" smtClean="0"/>
+              <a:t>Push </a:t>
+            </a:r>
+            <a:r>
+              <a:rPr lang="en-US" dirty="0" smtClean="0">
+                <a:sym typeface="Wingdings" panose="05000000000000000000" pitchFamily="2" charset="2"/>
+              </a:rPr>
+              <a:t> </a:t>
+            </a:r>
+            <a:r>
+              <a:rPr lang="en-US" sz="5400" kern="1200" dirty="0" smtClean="0">
+                <a:solidFill>
+                  <a:schemeClr val="tx1"/>
+                </a:solidFill>
+                <a:latin typeface="+mn-lt"/>
+                <a:ea typeface="+mn-ea"/>
+                <a:cs typeface="+mn-cs"/>
+              </a:rPr>
+              <a:t>“</a:t>
+            </a:r>
+            <a:r>
+              <a:rPr lang="en-US" dirty="0" smtClean="0"/>
+              <a:t>Don't </a:t>
+            </a:r>
+            <a:r>
+              <a:rPr lang="en-US" dirty="0"/>
+              <a:t>worry, nothing will </a:t>
+            </a:r>
+            <a:r>
+              <a:rPr lang="en-US" dirty="0" smtClean="0"/>
+              <a:t>break”</a:t>
+            </a:r>
+          </a:p>
+          <a:p>
+            <a:pPr lvl="1"/>
+            <a:r>
+              <a:rPr lang="en-US" b="1" dirty="0"/>
+              <a:t>Lean</a:t>
+            </a:r>
+            <a:r>
+              <a:rPr lang="en-US" dirty="0"/>
+              <a:t> </a:t>
+            </a:r>
+            <a:r>
+              <a:rPr lang="en-US" b="1" dirty="0" smtClean="0"/>
+              <a:t>back </a:t>
+            </a:r>
+            <a:r>
+              <a:rPr lang="en-US" dirty="0" smtClean="0"/>
+              <a:t>and </a:t>
+            </a:r>
+            <a:r>
+              <a:rPr lang="en-US" dirty="0"/>
+              <a:t>wait for </a:t>
+            </a:r>
+            <a:r>
+              <a:rPr lang="en-US" dirty="0" smtClean="0"/>
+              <a:t>feedback</a:t>
+            </a:r>
+          </a:p>
+          <a:p>
+            <a:pPr lvl="1"/>
+            <a:r>
+              <a:rPr lang="en-US" b="1" dirty="0" smtClean="0">
+                <a:solidFill>
+                  <a:srgbClr val="FF8200"/>
+                </a:solidFill>
+              </a:rPr>
+              <a:t>“Core” developers look at each patch</a:t>
+            </a:r>
+          </a:p>
+        </p:txBody>
+      </p:sp>
+      <p:sp>
+        <p:nvSpPr>
+          <p:cNvPr id="4" name="Date Placeholder 3"/>
+          <p:cNvSpPr>
+            <a:spLocks noGrp="1"/>
+          </p:cNvSpPr>
+          <p:nvPr>
+            <p:ph type="dt" sz="half" idx="10"/>
+          </p:nvPr>
+        </p:nvSpPr>
+        <p:spPr/>
+        <p:txBody>
+          <a:bodyPr/>
+          <a:lstStyle/>
+          <a:p>
+            <a:fld id="{BA1999B4-2296-4B3C-9E42-F536B7F9EE6F}" type="datetime1">
+              <a:rPr lang="de-DE" smtClean="0"/>
+              <a:t>20.05.2018</a:t>
+            </a:fld>
+            <a:endParaRPr lang="de-DE"/>
+          </a:p>
+        </p:txBody>
+      </p:sp>
+      <p:sp>
+        <p:nvSpPr>
+          <p:cNvPr id="5" name="Footer Placeholder 4"/>
+          <p:cNvSpPr>
+            <a:spLocks noGrp="1"/>
+          </p:cNvSpPr>
+          <p:nvPr>
+            <p:ph type="ftr" sz="quarter" idx="11"/>
+          </p:nvPr>
+        </p:nvSpPr>
+        <p:spPr/>
+        <p:txBody>
+          <a:bodyPr/>
+          <a:lstStyle/>
+          <a:p>
+            <a:r>
+              <a:rPr lang="de-CH" dirty="0"/>
+              <a:t>TYPO3camp Zentralschweiz</a:t>
+            </a:r>
+            <a:endParaRPr lang="de-CH" altLang="de-DE" dirty="0"/>
+          </a:p>
+        </p:txBody>
+      </p:sp>
+      <p:sp>
+        <p:nvSpPr>
+          <p:cNvPr id="6" name="Slide Number Placeholder 5"/>
+          <p:cNvSpPr>
+            <a:spLocks noGrp="1"/>
+          </p:cNvSpPr>
+          <p:nvPr>
+            <p:ph type="sldNum" sz="quarter" idx="12"/>
+          </p:nvPr>
+        </p:nvSpPr>
+        <p:spPr/>
+        <p:txBody>
+          <a:bodyPr/>
+          <a:lstStyle/>
+          <a:p>
+            <a:fld id="{65E165E3-9F3F-42C5-BA80-C72A143CE083}" type="slidenum">
+              <a:rPr lang="de-DE" smtClean="0"/>
+              <a:pPr/>
+              <a:t>12</a:t>
+            </a:fld>
+            <a:endParaRPr lang="de-DE"/>
+          </a:p>
+        </p:txBody>
+      </p:sp>
+    </p:spTree>
+    <p:extLst>
+      <p:ext uri="{BB962C8B-B14F-4D97-AF65-F5344CB8AC3E}">
+        <p14:creationId xmlns:p14="http://schemas.microsoft.com/office/powerpoint/2010/main" val="282952912"/>
+      </p:ext>
+    </p:extLst>
+  </p:cSld>
+  <p:clrMapOvr>
+    <a:masterClrMapping/>
+  </p:clrMapOvr>
+  <mc:AlternateContent xmlns:mc="http://schemas.openxmlformats.org/markup-compatibility/2006" xmlns:p14="http://schemas.microsoft.com/office/powerpoint/2010/main">
+    <mc:Choice Requires="p14">
+      <p:transition spd="slow" p14:dur="800">
+        <p14:flythrough/>
+      </p:transition>
+    </mc:Choice>
+    <mc:Fallback xmlns="">
+      <p:transition spd="slow">
+        <p:fade/>
+      </p:transition>
+    </mc:Fallback>
+  </mc:AlternateContent>
+  <p:timing>
+    <p:tnLst>
+      <p:par>
+        <p:cTn id="1" dur="indefinite" restart="never" nodeType="tmRoot"/>
+      </p:par>
+    </p:tnLst>
+  </p:timing>
+</p:sld>
+</file>
+
+<file path=ppt/slides/slide13.xml><?xml version="1.0" encoding="utf-8"?>
+<p:sld xmlns:a="http://schemas.openxmlformats.org/drawingml/2006/main" xmlns:r="http://schemas.openxmlformats.org/officeDocument/2006/relationships" xmlns:p="http://schemas.openxmlformats.org/presentationml/2006/main">
+  <p:cSld>
+    <p:spTree>
+      <p:nvGrpSpPr>
+        <p:cNvPr id="1" name=""/>
+        <p:cNvGrpSpPr/>
+        <p:nvPr/>
+      </p:nvGrpSpPr>
+      <p:grpSpPr>
+        <a:xfrm>
+          <a:off x="0" y="0"/>
+          <a:ext cx="0" cy="0"/>
+          <a:chOff x="0" y="0"/>
+          <a:chExt cx="0" cy="0"/>
+        </a:xfrm>
+      </p:grpSpPr>
+      <p:sp>
+        <p:nvSpPr>
+          <p:cNvPr id="2" name="Title 1"/>
+          <p:cNvSpPr>
+            <a:spLocks noGrp="1"/>
+          </p:cNvSpPr>
+          <p:nvPr>
+            <p:ph type="title"/>
+          </p:nvPr>
+        </p:nvSpPr>
+        <p:spPr/>
+        <p:txBody>
+          <a:bodyPr>
+            <a:normAutofit/>
+          </a:bodyPr>
+          <a:lstStyle/>
+          <a:p>
+            <a:r>
+              <a:rPr lang="en-US" dirty="0" smtClean="0"/>
+              <a:t>Events /</a:t>
+            </a:r>
+            <a:br>
+              <a:rPr lang="en-US" dirty="0" smtClean="0"/>
+            </a:br>
+            <a:r>
+              <a:rPr lang="en-US" dirty="0" smtClean="0"/>
+              <a:t>Code sprints</a:t>
+            </a:r>
+            <a:endParaRPr lang="en-US" dirty="0"/>
+          </a:p>
+        </p:txBody>
+      </p:sp>
+      <p:sp>
+        <p:nvSpPr>
+          <p:cNvPr id="7" name="Text Placeholder 6"/>
+          <p:cNvSpPr>
+            <a:spLocks noGrp="1"/>
+          </p:cNvSpPr>
+          <p:nvPr>
+            <p:ph type="body" idx="1"/>
+          </p:nvPr>
+        </p:nvSpPr>
+        <p:spPr/>
+        <p:txBody>
+          <a:bodyPr/>
+          <a:lstStyle/>
+          <a:p>
+            <a:r>
+              <a:rPr lang="en-US" dirty="0"/>
+              <a:t>https://typo3.org/community/events/</a:t>
+            </a:r>
+          </a:p>
+        </p:txBody>
+      </p:sp>
+      <p:sp>
+        <p:nvSpPr>
+          <p:cNvPr id="4" name="Date Placeholder 3"/>
+          <p:cNvSpPr>
+            <a:spLocks noGrp="1"/>
+          </p:cNvSpPr>
+          <p:nvPr>
+            <p:ph type="dt" sz="half" idx="10"/>
+          </p:nvPr>
+        </p:nvSpPr>
+        <p:spPr/>
+        <p:txBody>
+          <a:bodyPr/>
+          <a:lstStyle/>
+          <a:p>
+            <a:fld id="{BA1999B4-2296-4B3C-9E42-F536B7F9EE6F}" type="datetime1">
+              <a:rPr lang="de-DE" smtClean="0"/>
+              <a:t>20.05.2018</a:t>
+            </a:fld>
+            <a:endParaRPr lang="de-DE"/>
+          </a:p>
+        </p:txBody>
+      </p:sp>
+      <p:sp>
+        <p:nvSpPr>
+          <p:cNvPr id="5" name="Footer Placeholder 4"/>
+          <p:cNvSpPr>
+            <a:spLocks noGrp="1"/>
+          </p:cNvSpPr>
+          <p:nvPr>
+            <p:ph type="ftr" sz="quarter" idx="11"/>
+          </p:nvPr>
+        </p:nvSpPr>
+        <p:spPr/>
+        <p:txBody>
+          <a:bodyPr/>
+          <a:lstStyle/>
+          <a:p>
+            <a:r>
+              <a:rPr lang="de-CH" dirty="0"/>
+              <a:t>TYPO3camp Zentralschweiz</a:t>
+            </a:r>
+            <a:endParaRPr lang="de-CH" altLang="de-DE" dirty="0"/>
+          </a:p>
+        </p:txBody>
+      </p:sp>
+      <p:sp>
+        <p:nvSpPr>
+          <p:cNvPr id="6" name="Slide Number Placeholder 5"/>
+          <p:cNvSpPr>
+            <a:spLocks noGrp="1"/>
+          </p:cNvSpPr>
+          <p:nvPr>
+            <p:ph type="sldNum" sz="quarter" idx="12"/>
+          </p:nvPr>
+        </p:nvSpPr>
+        <p:spPr/>
+        <p:txBody>
+          <a:bodyPr/>
+          <a:lstStyle/>
+          <a:p>
+            <a:fld id="{65E165E3-9F3F-42C5-BA80-C72A143CE083}" type="slidenum">
+              <a:rPr lang="de-DE" smtClean="0"/>
+              <a:pPr/>
+              <a:t>13</a:t>
+            </a:fld>
+            <a:endParaRPr lang="de-DE"/>
+          </a:p>
+        </p:txBody>
+      </p:sp>
+    </p:spTree>
+    <p:extLst>
+      <p:ext uri="{BB962C8B-B14F-4D97-AF65-F5344CB8AC3E}">
+        <p14:creationId xmlns:p14="http://schemas.microsoft.com/office/powerpoint/2010/main" val="2239160055"/>
+      </p:ext>
+    </p:extLst>
+  </p:cSld>
+  <p:clrMapOvr>
+    <a:masterClrMapping/>
+  </p:clrMapOvr>
+  <mc:AlternateContent xmlns:mc="http://schemas.openxmlformats.org/markup-compatibility/2006" xmlns:p14="http://schemas.microsoft.com/office/powerpoint/2010/main">
+    <mc:Choice Requires="p14">
+      <p:transition spd="slow" p14:dur="800">
+        <p14:flythrough/>
+      </p:transition>
+    </mc:Choice>
+    <mc:Fallback xmlns="">
+      <p:transition spd="slow">
+        <p:fade/>
+      </p:transition>
+    </mc:Fallback>
+  </mc:AlternateContent>
+  <p:timing>
+    <p:tnLst>
+      <p:par>
+        <p:cTn id="1" dur="indefinite" restart="never" nodeType="tmRoot"/>
+      </p:par>
+    </p:tnLst>
+  </p:timing>
+</p:sld>
+</file>
+
+<file path=ppt/slides/slide14.xml><?xml version="1.0" encoding="utf-8"?>
+<p:sld xmlns:a="http://schemas.openxmlformats.org/drawingml/2006/main" xmlns:r="http://schemas.openxmlformats.org/officeDocument/2006/relationships" xmlns:p="http://schemas.openxmlformats.org/presentationml/2006/main">
+  <p:cSld>
+    <p:spTree>
+      <p:nvGrpSpPr>
+        <p:cNvPr id="1" name=""/>
+        <p:cNvGrpSpPr/>
+        <p:nvPr/>
+      </p:nvGrpSpPr>
+      <p:grpSpPr>
+        <a:xfrm>
+          <a:off x="0" y="0"/>
+          <a:ext cx="0" cy="0"/>
+          <a:chOff x="0" y="0"/>
+          <a:chExt cx="0" cy="0"/>
+        </a:xfrm>
+      </p:grpSpPr>
+      <p:sp>
+        <p:nvSpPr>
           <p:cNvPr id="5" name="Titel 4"/>
           <p:cNvSpPr>
             <a:spLocks noGrp="1"/>
@@ -14595,7 +15335,7 @@
           <a:p>
             <a:fld id="{92DFE110-83A0-4C5D-A343-3AA61B64FE99}" type="datetime1">
               <a:rPr lang="de-DE" smtClean="0"/>
-              <a:t>18.05.2018</a:t>
+              <a:t>20.05.2018</a:t>
             </a:fld>
             <a:endParaRPr lang="de-DE"/>
           </a:p>
@@ -14617,10 +15357,10 @@
           <a:lstStyle/>
           <a:p>
             <a:r>
-              <a:rPr lang="en-US"/>
-              <a:t>Configurable in Head- and Footnote section</a:t>
-            </a:r>
-            <a:endParaRPr lang="de-DE" dirty="0"/>
+              <a:rPr lang="de-CH" dirty="0"/>
+              <a:t>TYPO3camp Zentralschweiz</a:t>
+            </a:r>
+            <a:endParaRPr lang="de-CH" altLang="de-DE" dirty="0"/>
           </a:p>
         </p:txBody>
       </p:sp>
@@ -14642,7 +15382,7 @@
             <a:fld id="{65E165E3-9F3F-42C5-BA80-C72A143CE083}" type="slidenum">
               <a:rPr lang="de-DE" smtClean="0"/>
               <a:pPr/>
-              <a:t>10</a:t>
+              <a:t>14</a:t>
             </a:fld>
             <a:endParaRPr lang="de-DE"/>
           </a:p>
@@ -14699,7 +15439,7 @@
       </p:grpSpPr>
       <p:sp>
         <p:nvSpPr>
-          <p:cNvPr id="2" name="Title 1"/>
+          <p:cNvPr id="2" name="Titel 1"/>
           <p:cNvSpPr>
             <a:spLocks noGrp="1"/>
           </p:cNvSpPr>
@@ -14709,123 +15449,21 @@
         </p:nvSpPr>
         <p:spPr/>
         <p:txBody>
-          <a:bodyPr>
+          <a:bodyPr numCol="1">
             <a:normAutofit fontScale="90000"/>
           </a:bodyPr>
           <a:lstStyle/>
           <a:p>
-            <a:pPr lvl="0"/>
-            <a:r>
-              <a:rPr lang="en-US" sz="3600" b="1" kern="1200" cap="all" baseline="0" dirty="0" smtClean="0">
-                <a:solidFill>
-                  <a:schemeClr val="tx1"/>
-                </a:solidFill>
-                <a:latin typeface="+mj-lt"/>
-                <a:ea typeface="+mj-ea"/>
-                <a:cs typeface="+mj-cs"/>
-              </a:rPr>
-              <a:t>Code reviews</a:t>
-            </a:r>
-            <a:endParaRPr lang="en-US" dirty="0"/>
+            <a:r>
+              <a:rPr lang="de-DE" altLang="de-DE" dirty="0"/>
+              <a:t>Agenda</a:t>
+            </a:r>
           </a:p>
         </p:txBody>
       </p:sp>
       <p:sp>
         <p:nvSpPr>
-          <p:cNvPr id="3" name="Content Placeholder 2"/>
-          <p:cNvSpPr>
-            <a:spLocks noGrp="1"/>
-          </p:cNvSpPr>
-          <p:nvPr>
-            <p:ph idx="1"/>
-          </p:nvPr>
-        </p:nvSpPr>
-        <p:spPr/>
-        <p:txBody>
-          <a:bodyPr>
-            <a:normAutofit/>
-          </a:bodyPr>
-          <a:lstStyle/>
-          <a:p>
-            <a:pPr lvl="1"/>
-            <a:r>
-              <a:rPr lang="en-US" dirty="0" smtClean="0"/>
-              <a:t>Download “</a:t>
-            </a:r>
-            <a:r>
-              <a:rPr lang="de-CH" dirty="0"/>
-              <a:t>Cherry </a:t>
-            </a:r>
-            <a:r>
-              <a:rPr lang="de-CH" dirty="0" smtClean="0"/>
-              <a:t>Pick"</a:t>
-            </a:r>
-            <a:endParaRPr lang="en-US" dirty="0" smtClean="0"/>
-          </a:p>
-          <a:p>
-            <a:pPr lvl="1"/>
-            <a:r>
-              <a:rPr lang="en-US" dirty="0" smtClean="0"/>
-              <a:t>Take time </a:t>
-            </a:r>
-            <a:r>
-              <a:rPr lang="en-US" dirty="0"/>
-              <a:t>to review </a:t>
-            </a:r>
-            <a:r>
-              <a:rPr lang="en-US" dirty="0" smtClean="0"/>
-              <a:t>correctly</a:t>
-            </a:r>
-            <a:endParaRPr lang="en-US" dirty="0"/>
-          </a:p>
-          <a:p>
-            <a:pPr lvl="1"/>
-            <a:r>
-              <a:rPr lang="en-US" sz="5400" kern="1200" dirty="0" smtClean="0">
-                <a:solidFill>
-                  <a:schemeClr val="tx1"/>
-                </a:solidFill>
-                <a:latin typeface="+mn-lt"/>
-                <a:ea typeface="+mn-ea"/>
-                <a:cs typeface="+mn-cs"/>
-              </a:rPr>
-              <a:t>“</a:t>
-            </a:r>
-            <a:r>
-              <a:rPr lang="en-US" dirty="0"/>
-              <a:t>Don't worry, nothing will </a:t>
-            </a:r>
-            <a:r>
-              <a:rPr lang="en-US" dirty="0" smtClean="0"/>
-              <a:t>break”</a:t>
-            </a:r>
-          </a:p>
-          <a:p>
-            <a:pPr lvl="1"/>
-            <a:r>
-              <a:rPr lang="en-US" dirty="0" smtClean="0"/>
-              <a:t>“Core” developers look at each patch</a:t>
-            </a:r>
-          </a:p>
-          <a:p>
-            <a:pPr lvl="1"/>
-            <a:r>
-              <a:rPr lang="en-US" dirty="0" smtClean="0"/>
-              <a:t>Patches with “-2” </a:t>
-            </a:r>
-            <a:r>
-              <a:rPr lang="en-US" dirty="0" smtClean="0">
-                <a:sym typeface="Wingdings" panose="05000000000000000000" pitchFamily="2" charset="2"/>
-              </a:rPr>
-              <a:t> no chance to merge</a:t>
-            </a:r>
-            <a:endParaRPr lang="en-US" dirty="0" smtClean="0"/>
-          </a:p>
-        </p:txBody>
-      </p:sp>
-      <p:sp>
-        <p:nvSpPr>
-          <p:cNvPr id="4" name="Date Placeholder 3"/>
+          <p:cNvPr id="3" name="Datumsplatzhalter 2"/>
           <p:cNvSpPr>
             <a:spLocks noGrp="1"/>
           </p:cNvSpPr>
@@ -14835,68 +15473,127 @@
         </p:nvSpPr>
         <p:spPr/>
         <p:txBody>
-          <a:bodyPr/>
+          <a:bodyPr numCol="1"/>
           <a:lstStyle/>
           <a:p>
-            <a:fld id="{BA1999B4-2296-4B3C-9E42-F536B7F9EE6F}" type="datetime1">
-              <a:rPr lang="de-DE" smtClean="0"/>
-              <a:t>18.05.2018</a:t>
+            <a:fld id="{751548CB-F427-41BB-8B82-B9CA3F4EF425}" type="datetime1">
+              <a:rPr lang="de-DE" altLang="de-DE" smtClean="0"/>
+              <a:pPr/>
+              <a:t>20.05.2018</a:t>
             </a:fld>
-            <a:endParaRPr lang="de-DE"/>
+            <a:endParaRPr lang="de-DE" altLang="de-DE"/>
           </a:p>
         </p:txBody>
       </p:sp>
       <p:sp>
         <p:nvSpPr>
-          <p:cNvPr id="5" name="Footer Placeholder 4"/>
+          <p:cNvPr id="4" name="Foliennummernplatzhalter 3"/>
           <p:cNvSpPr>
             <a:spLocks noGrp="1"/>
           </p:cNvSpPr>
           <p:nvPr>
-            <p:ph type="ftr" sz="quarter" idx="11"/>
+            <p:ph type="sldNum" sz="quarter" idx="11"/>
           </p:nvPr>
         </p:nvSpPr>
         <p:spPr/>
         <p:txBody>
-          <a:bodyPr/>
+          <a:bodyPr numCol="1"/>
           <a:lstStyle/>
           <a:p>
-            <a:r>
-              <a:rPr lang="en-US" smtClean="0"/>
-              <a:t>Configurable in Head- and Footnote section</a:t>
-            </a:r>
-            <a:endParaRPr lang="de-DE" dirty="0"/>
+            <a:fld id="{65E165E3-9F3F-42C5-BA80-C72A143CE083}" type="slidenum">
+              <a:rPr lang="de-DE" altLang="de-DE" smtClean="0"/>
+              <a:pPr/>
+              <a:t>2</a:t>
+            </a:fld>
+            <a:endParaRPr lang="de-DE" altLang="de-DE"/>
           </a:p>
         </p:txBody>
       </p:sp>
       <p:sp>
         <p:nvSpPr>
-          <p:cNvPr id="6" name="Slide Number Placeholder 5"/>
+          <p:cNvPr id="5" name="Fußzeilenplatzhalter 4"/>
           <p:cNvSpPr>
             <a:spLocks noGrp="1"/>
           </p:cNvSpPr>
           <p:nvPr>
-            <p:ph type="sldNum" sz="quarter" idx="12"/>
+            <p:ph type="ftr" sz="quarter" idx="12"/>
           </p:nvPr>
         </p:nvSpPr>
         <p:spPr/>
         <p:txBody>
-          <a:bodyPr/>
+          <a:bodyPr numCol="1"/>
           <a:lstStyle/>
           <a:p>
-            <a:fld id="{65E165E3-9F3F-42C5-BA80-C72A143CE083}" type="slidenum">
-              <a:rPr lang="de-DE" smtClean="0"/>
-              <a:pPr/>
-              <a:t>2</a:t>
-            </a:fld>
-            <a:endParaRPr lang="de-DE"/>
+            <a:r>
+              <a:rPr dirty="0"/>
+              <a:t>TYPO3camp </a:t>
+            </a:r>
+            <a:r>
+              <a:rPr dirty="0" err="1"/>
+              <a:t>Zentralschweiz</a:t>
+            </a:r>
+            <a:endParaRPr lang="de-DE" altLang="de-DE" dirty="0"/>
+          </a:p>
+        </p:txBody>
+      </p:sp>
+      <p:sp>
+        <p:nvSpPr>
+          <p:cNvPr id="6" name="Textplatzhalter 5"/>
+          <p:cNvSpPr>
+            <a:spLocks noGrp="1"/>
+          </p:cNvSpPr>
+          <p:nvPr>
+            <p:ph type="body" sz="quarter" idx="13"/>
+          </p:nvPr>
+        </p:nvSpPr>
+        <p:spPr/>
+        <p:txBody>
+          <a:bodyPr numCol="1">
+            <a:normAutofit/>
+          </a:bodyPr>
+          <a:lstStyle/>
+          <a:p>
+            <a:r>
+              <a:rPr/>
+              <a:t>Translation</a:t>
+            </a:r>
+          </a:p>
+          <a:p>
+            <a:r>
+              <a:rPr/>
+              <a:t>Slack / Stack Overflow</a:t>
+            </a:r>
+          </a:p>
+          <a:p>
+            <a:r>
+              <a:rPr/>
+              <a:t>Forge</a:t>
+            </a:r>
+          </a:p>
+          <a:p>
+            <a:r>
+              <a:rPr/>
+              <a:t>Code Review</a:t>
+            </a:r>
+          </a:p>
+          <a:p>
+            <a:r>
+              <a:rPr/>
+              <a:t>Events / Code Sprints</a:t>
+            </a:r>
+          </a:p>
+          <a:p>
+            <a:r>
+              <a:rPr/>
+              <a:t>Core Bugfix</a:t>
+            </a:r>
           </a:p>
         </p:txBody>
       </p:sp>
     </p:spTree>
     <p:extLst>
       <p:ext uri="{BB962C8B-B14F-4D97-AF65-F5344CB8AC3E}">
-        <p14:creationId xmlns:p14="http://schemas.microsoft.com/office/powerpoint/2010/main" val="3520080899"/>
+        <p14:creationId xmlns:p14="http://schemas.microsoft.com/office/powerpoint/2010/main" val="1138267858"/>
       </p:ext>
     </p:extLst>
   </p:cSld>
@@ -14944,7 +15641,7 @@
       </p:grpSpPr>
       <p:sp>
         <p:nvSpPr>
-          <p:cNvPr id="7" name="Title 6"/>
+          <p:cNvPr id="7" name="Titel 6"/>
           <p:cNvSpPr>
             <a:spLocks noGrp="1"/>
           </p:cNvSpPr>
@@ -14952,190 +15649,58 @@
             <p:ph type="title"/>
           </p:nvPr>
         </p:nvSpPr>
-        <p:spPr/>
+        <p:spPr>
+          <a:xfrm>
+            <a:off x="2813479" y="2463460"/>
+            <a:ext cx="11733657" cy="4081615"/>
+          </a:xfrm>
+        </p:spPr>
         <p:txBody>
-          <a:bodyPr>
-            <a:normAutofit fontScale="90000"/>
-          </a:bodyPr>
+          <a:bodyPr numCol="1"/>
           <a:lstStyle/>
           <a:p>
-            <a:pPr marL="0" marR="0" indent="0" algn="l" defTabSz="914400" rtl="0" eaLnBrk="1" fontAlgn="auto" latinLnBrk="0" hangingPunct="1">
-              <a:lnSpc>
-                <a:spcPct val="90000"/>
-              </a:lnSpc>
-              <a:spcBef>
-                <a:spcPct val="0"/>
-              </a:spcBef>
-              <a:spcAft>
-                <a:spcPts val="0"/>
-              </a:spcAft>
-              <a:buClrTx/>
-              <a:buSzTx/>
-              <a:buFontTx/>
-              <a:buNone/>
-              <a:tabLst/>
-              <a:defRPr/>
-            </a:pPr>
-            <a:r>
-              <a:rPr lang="en-US" dirty="0" smtClean="0"/>
-              <a:t>Forge</a:t>
-            </a:r>
-            <a:endParaRPr lang="en-US" sz="3000" b="1" kern="1200" cap="all" baseline="0" dirty="0" smtClean="0">
-              <a:solidFill>
-                <a:schemeClr val="tx1"/>
-              </a:solidFill>
-              <a:latin typeface="+mj-lt"/>
-              <a:ea typeface="+mj-ea"/>
-              <a:cs typeface="+mj-cs"/>
-            </a:endParaRPr>
+            <a:r>
+              <a:rPr/>
+              <a:t>Translation</a:t>
+            </a:r>
+            <a:endParaRPr lang="de-DE" altLang="de-DE" dirty="0"/>
           </a:p>
         </p:txBody>
       </p:sp>
       <p:sp>
         <p:nvSpPr>
-          <p:cNvPr id="8" name="Content Placeholder 7"/>
+          <p:cNvPr id="2" name="Text Placeholder 1"/>
           <p:cNvSpPr>
             <a:spLocks noGrp="1"/>
           </p:cNvSpPr>
           <p:nvPr>
-            <p:ph idx="1"/>
+            <p:ph type="body" idx="1"/>
           </p:nvPr>
         </p:nvSpPr>
-        <p:spPr/>
+        <p:spPr>
+          <a:xfrm>
+            <a:off x="3132034" y="6527742"/>
+            <a:ext cx="11112708" cy="650260"/>
+          </a:xfrm>
+        </p:spPr>
         <p:txBody>
-          <a:bodyPr>
-            <a:normAutofit/>
-          </a:bodyPr>
+          <a:bodyPr numCol="1"/>
           <a:lstStyle/>
           <a:p>
             <a:r>
-              <a:rPr lang="en-US" sz="6000" kern="1200" dirty="0" smtClean="0">
-                <a:solidFill>
-                  <a:schemeClr val="tx1"/>
-                </a:solidFill>
-                <a:latin typeface="+mn-lt"/>
-                <a:ea typeface="+mn-ea"/>
-                <a:cs typeface="+mn-cs"/>
-              </a:rPr>
-              <a:t>Core and Extensions</a:t>
-            </a:r>
-            <a:endParaRPr lang="en-US" sz="6000" kern="1200" dirty="0" smtClean="0">
-              <a:solidFill>
-                <a:schemeClr val="tx1"/>
-              </a:solidFill>
-              <a:latin typeface="+mn-lt"/>
-              <a:ea typeface="+mn-ea"/>
-              <a:cs typeface="+mn-cs"/>
-            </a:endParaRPr>
-          </a:p>
-          <a:p>
-            <a:r>
-              <a:rPr lang="en-US" sz="6000" kern="1200" dirty="0" smtClean="0">
-                <a:solidFill>
-                  <a:schemeClr val="tx1"/>
-                </a:solidFill>
-                <a:latin typeface="+mn-lt"/>
-                <a:ea typeface="+mn-ea"/>
-                <a:cs typeface="+mn-cs"/>
-              </a:rPr>
-              <a:t>Choose the right “Tracker”</a:t>
-            </a:r>
-          </a:p>
-          <a:p>
-            <a:r>
-              <a:rPr lang="de-CH" dirty="0"/>
-              <a:t>As </a:t>
-            </a:r>
-            <a:r>
-              <a:rPr lang="de-CH" b="1" dirty="0" err="1"/>
-              <a:t>detailed</a:t>
-            </a:r>
-            <a:r>
-              <a:rPr lang="de-CH" dirty="0"/>
-              <a:t> </a:t>
-            </a:r>
-            <a:r>
-              <a:rPr lang="de-CH" dirty="0" err="1"/>
-              <a:t>as</a:t>
-            </a:r>
-            <a:r>
-              <a:rPr lang="de-CH" dirty="0"/>
-              <a:t> </a:t>
-            </a:r>
-            <a:r>
-              <a:rPr lang="de-CH" dirty="0" err="1" smtClean="0"/>
-              <a:t>possible</a:t>
-            </a:r>
-            <a:endParaRPr lang="de-CH" dirty="0" smtClean="0"/>
-          </a:p>
-          <a:p>
-            <a:r>
-              <a:rPr lang="de-CH" b="1" dirty="0"/>
-              <a:t>Pictures</a:t>
-            </a:r>
-            <a:r>
-              <a:rPr lang="de-CH" dirty="0"/>
-              <a:t> </a:t>
-            </a:r>
-            <a:r>
-              <a:rPr lang="de-CH" dirty="0" err="1"/>
-              <a:t>help</a:t>
-            </a:r>
-            <a:r>
-              <a:rPr lang="de-CH" dirty="0"/>
-              <a:t> </a:t>
-            </a:r>
-            <a:r>
-              <a:rPr lang="de-CH" dirty="0" err="1"/>
-              <a:t>to</a:t>
-            </a:r>
-            <a:r>
-              <a:rPr lang="de-CH" dirty="0"/>
-              <a:t> </a:t>
-            </a:r>
-            <a:r>
-              <a:rPr lang="de-CH" dirty="0" err="1" smtClean="0"/>
-              <a:t>understand</a:t>
-            </a:r>
-            <a:endParaRPr lang="de-CH" dirty="0" smtClean="0"/>
-          </a:p>
-          <a:p>
-            <a:r>
-              <a:rPr lang="en-US" sz="6000" b="1" kern="1200" dirty="0" smtClean="0">
-                <a:solidFill>
-                  <a:schemeClr val="tx1"/>
-                </a:solidFill>
-                <a:latin typeface="+mn-lt"/>
-                <a:ea typeface="+mn-ea"/>
-                <a:cs typeface="+mn-cs"/>
-              </a:rPr>
-              <a:t>Never</a:t>
-            </a:r>
-            <a:r>
-              <a:rPr lang="en-US" sz="6000" kern="1200" dirty="0" smtClean="0">
-                <a:solidFill>
-                  <a:schemeClr val="tx1"/>
-                </a:solidFill>
-                <a:latin typeface="+mn-lt"/>
-                <a:ea typeface="+mn-ea"/>
-                <a:cs typeface="+mn-cs"/>
-              </a:rPr>
-              <a:t> “Assignee” a ticket to somebody</a:t>
-            </a:r>
-            <a:endParaRPr lang="en-US" sz="6000" kern="1200" dirty="0" smtClean="0">
-              <a:solidFill>
-                <a:schemeClr val="tx1"/>
-              </a:solidFill>
-              <a:latin typeface="+mn-lt"/>
-              <a:ea typeface="+mn-ea"/>
-              <a:cs typeface="+mn-cs"/>
-            </a:endParaRPr>
+              <a:rPr/>
+              <a:t>https://translation.typo3.org/</a:t>
+            </a:r>
+            <a:endParaRPr lang="en-US"/>
+          </a:p>
+          <a:p>
+            <a:endParaRPr lang="en-US"/>
           </a:p>
         </p:txBody>
       </p:sp>
       <p:sp>
         <p:nvSpPr>
-          <p:cNvPr id="4" name="Date Placeholder 3"/>
+          <p:cNvPr id="3" name="Datumsplatzhalter 2"/>
           <p:cNvSpPr>
             <a:spLocks noGrp="1"/>
           </p:cNvSpPr>
@@ -15143,27 +15708,23 @@
             <p:ph type="dt" sz="half" idx="10"/>
           </p:nvPr>
         </p:nvSpPr>
-        <p:spPr>
-          <a:xfrm>
-            <a:off x="1192213" y="8647113"/>
-            <a:ext cx="1185227" cy="519112"/>
-          </a:xfrm>
-        </p:spPr>
+        <p:spPr/>
         <p:txBody>
-          <a:bodyPr/>
+          <a:bodyPr numCol="1"/>
           <a:lstStyle/>
           <a:p>
-            <a:fld id="{CBC34971-8DF3-4F27-9991-E37B110D9ED4}" type="datetime1">
-              <a:rPr lang="de-DE" smtClean="0"/>
-              <a:t>18.05.2018</a:t>
+            <a:fld id="{751548CB-F427-41BB-8B82-B9CA3F4EF425}" type="datetime1">
+              <a:rPr lang="de-DE" altLang="de-DE" smtClean="0"/>
+              <a:pPr/>
+              <a:t>20.05.2018</a:t>
             </a:fld>
-            <a:endParaRPr lang="de-DE" dirty="0"/>
+            <a:endParaRPr lang="de-DE" altLang="de-DE"/>
           </a:p>
         </p:txBody>
       </p:sp>
       <p:sp>
         <p:nvSpPr>
-          <p:cNvPr id="5" name="Footer Placeholder 4"/>
+          <p:cNvPr id="5" name="Fußzeilenplatzhalter 4"/>
           <p:cNvSpPr>
             <a:spLocks noGrp="1"/>
           </p:cNvSpPr>
@@ -15171,27 +15732,22 @@
             <p:ph type="ftr" sz="quarter" idx="11"/>
           </p:nvPr>
         </p:nvSpPr>
-        <p:spPr>
-          <a:xfrm>
-            <a:off x="2074393" y="8647113"/>
-            <a:ext cx="6595738" cy="519112"/>
-          </a:xfrm>
-        </p:spPr>
+        <p:spPr/>
         <p:txBody>
-          <a:bodyPr/>
+          <a:bodyPr numCol="1"/>
           <a:lstStyle/>
           <a:p>
             <a:r>
-              <a:rPr lang="en-US" dirty="0" smtClean="0"/>
-              <a:t>Configurable in Head- and Footnote section</a:t>
-            </a:r>
-            <a:endParaRPr lang="de-DE" dirty="0"/>
+              <a:rPr lang="de-CH" dirty="0"/>
+              <a:t>TYPO3camp Zentralschweiz</a:t>
+            </a:r>
+            <a:endParaRPr lang="de-CH" altLang="de-DE" dirty="0"/>
           </a:p>
         </p:txBody>
       </p:sp>
       <p:sp>
         <p:nvSpPr>
-          <p:cNvPr id="6" name="Slide Number Placeholder 5"/>
+          <p:cNvPr id="4" name="Foliennummernplatzhalter 3"/>
           <p:cNvSpPr>
             <a:spLocks noGrp="1"/>
           </p:cNvSpPr>
@@ -15201,22 +15757,22 @@
         </p:nvSpPr>
         <p:spPr/>
         <p:txBody>
-          <a:bodyPr/>
+          <a:bodyPr numCol="1"/>
           <a:lstStyle/>
           <a:p>
             <a:fld id="{65E165E3-9F3F-42C5-BA80-C72A143CE083}" type="slidenum">
-              <a:rPr lang="de-DE" smtClean="0"/>
+              <a:rPr lang="de-DE" altLang="de-DE" smtClean="0"/>
               <a:pPr/>
               <a:t>3</a:t>
             </a:fld>
-            <a:endParaRPr lang="de-DE"/>
+            <a:endParaRPr lang="de-DE" altLang="de-DE"/>
           </a:p>
         </p:txBody>
       </p:sp>
     </p:spTree>
     <p:extLst>
       <p:ext uri="{BB962C8B-B14F-4D97-AF65-F5344CB8AC3E}">
-        <p14:creationId xmlns:p14="http://schemas.microsoft.com/office/powerpoint/2010/main" val="274010256"/>
+        <p14:creationId xmlns:p14="http://schemas.microsoft.com/office/powerpoint/2010/main" val="2121289897"/>
       </p:ext>
     </p:extLst>
   </p:cSld>
@@ -15264,7 +15820,7 @@
       </p:grpSpPr>
       <p:sp>
         <p:nvSpPr>
-          <p:cNvPr id="2" name="Title 1"/>
+          <p:cNvPr id="7" name="Titel 6"/>
           <p:cNvSpPr>
             <a:spLocks noGrp="1"/>
           </p:cNvSpPr>
@@ -15272,39 +15828,33 @@
             <p:ph type="title"/>
           </p:nvPr>
         </p:nvSpPr>
-        <p:spPr/>
+        <p:spPr>
+          <a:xfrm>
+            <a:off x="594564" y="2484696"/>
+            <a:ext cx="15927602" cy="4174459"/>
+          </a:xfrm>
+        </p:spPr>
         <p:txBody>
-          <a:bodyPr>
-            <a:normAutofit fontScale="90000"/>
-          </a:bodyPr>
+          <a:bodyPr numCol="1"/>
           <a:lstStyle/>
           <a:p>
             <a:r>
-              <a:rPr lang="en-US" dirty="0" smtClean="0"/>
-              <a:t>Code </a:t>
-            </a:r>
-            <a:r>
-              <a:rPr lang="en-US" dirty="0" err="1" smtClean="0"/>
-              <a:t>Revies</a:t>
-            </a:r>
-            <a:r>
-              <a:rPr lang="en-US" dirty="0" smtClean="0"/>
-              <a:t> /</a:t>
-            </a:r>
-            <a:br>
-              <a:rPr lang="en-US" dirty="0" smtClean="0"/>
-            </a:br>
-            <a:r>
-              <a:rPr lang="en-US" dirty="0" smtClean="0"/>
-              <a:t>Download master</a:t>
-            </a:r>
-            <a:endParaRPr lang="en-US" dirty="0"/>
+              <a:rPr/>
+              <a:t>Slack / </a:t>
+            </a:r>
+            <a:endParaRPr lang="de-DE" altLang="de-DE" dirty="0"/>
+          </a:p>
+          <a:p>
+            <a:r>
+              <a:rPr/>
+              <a:t>STack Overflow</a:t>
+            </a:r>
           </a:p>
         </p:txBody>
       </p:sp>
       <p:sp>
         <p:nvSpPr>
-          <p:cNvPr id="7" name="Text Placeholder 6"/>
+          <p:cNvPr id="2" name="Text Placeholder 1"/>
           <p:cNvSpPr>
             <a:spLocks noGrp="1"/>
           </p:cNvSpPr>
@@ -15312,22 +15862,33 @@
             <p:ph type="body" idx="1"/>
           </p:nvPr>
         </p:nvSpPr>
-        <p:spPr/>
+        <p:spPr>
+          <a:xfrm>
+            <a:off x="3131949" y="6527594"/>
+            <a:ext cx="11139126" cy="1478640"/>
+          </a:xfrm>
+        </p:spPr>
         <p:txBody>
-          <a:bodyPr/>
+          <a:bodyPr numCol="1"/>
           <a:lstStyle/>
           <a:p>
             <a:r>
-              <a:rPr lang="en-US" dirty="0"/>
-              <a:t>https://review.typo3.org/</a:t>
-            </a:r>
-            <a:endParaRPr lang="en-US" dirty="0"/>
+              <a:rPr/>
+              <a:t>https://typo3.slack.com /</a:t>
+            </a:r>
+            <a:endParaRPr lang="en-US"/>
+          </a:p>
+          <a:p>
+            <a:r>
+              <a:rPr/>
+              <a:t>https://stackoverflow.com/questions/tagged/typo3</a:t>
+            </a:r>
           </a:p>
         </p:txBody>
       </p:sp>
       <p:sp>
         <p:nvSpPr>
-          <p:cNvPr id="4" name="Date Placeholder 3"/>
+          <p:cNvPr id="3" name="Datumsplatzhalter 2"/>
           <p:cNvSpPr>
             <a:spLocks noGrp="1"/>
           </p:cNvSpPr>
@@ -15337,20 +15898,21 @@
         </p:nvSpPr>
         <p:spPr/>
         <p:txBody>
-          <a:bodyPr/>
+          <a:bodyPr numCol="1"/>
           <a:lstStyle/>
           <a:p>
-            <a:fld id="{BA1999B4-2296-4B3C-9E42-F536B7F9EE6F}" type="datetime1">
-              <a:rPr lang="de-DE" smtClean="0"/>
-              <a:t>18.05.2018</a:t>
+            <a:fld id="{751548CB-F427-41BB-8B82-B9CA3F4EF425}" type="datetime1">
+              <a:rPr lang="de-DE" altLang="de-DE" smtClean="0"/>
+              <a:pPr/>
+              <a:t>20.05.2018</a:t>
             </a:fld>
-            <a:endParaRPr lang="de-DE"/>
+            <a:endParaRPr lang="de-DE" altLang="de-DE"/>
           </a:p>
         </p:txBody>
       </p:sp>
       <p:sp>
         <p:nvSpPr>
-          <p:cNvPr id="5" name="Footer Placeholder 4"/>
+          <p:cNvPr id="5" name="Fußzeilenplatzhalter 4"/>
           <p:cNvSpPr>
             <a:spLocks noGrp="1"/>
           </p:cNvSpPr>
@@ -15360,20 +15922,20 @@
         </p:nvSpPr>
         <p:spPr/>
         <p:txBody>
-          <a:bodyPr/>
+          <a:bodyPr numCol="1"/>
           <a:lstStyle/>
           <a:p>
             <a:r>
-              <a:rPr lang="en-US" dirty="0" smtClean="0"/>
-              <a:t>Configurable in Head- and Footnote section</a:t>
-            </a:r>
-            <a:endParaRPr lang="de-DE" dirty="0"/>
+              <a:rPr lang="de-CH" dirty="0"/>
+              <a:t>TYPO3camp Zentralschweiz</a:t>
+            </a:r>
+            <a:endParaRPr lang="de-CH" altLang="de-DE" dirty="0"/>
           </a:p>
         </p:txBody>
       </p:sp>
       <p:sp>
         <p:nvSpPr>
-          <p:cNvPr id="6" name="Slide Number Placeholder 5"/>
+          <p:cNvPr id="4" name="Foliennummernplatzhalter 3"/>
           <p:cNvSpPr>
             <a:spLocks noGrp="1"/>
           </p:cNvSpPr>
@@ -15383,22 +15945,22 @@
         </p:nvSpPr>
         <p:spPr/>
         <p:txBody>
-          <a:bodyPr/>
+          <a:bodyPr numCol="1"/>
           <a:lstStyle/>
           <a:p>
             <a:fld id="{65E165E3-9F3F-42C5-BA80-C72A143CE083}" type="slidenum">
-              <a:rPr lang="de-DE" smtClean="0"/>
+              <a:rPr lang="de-DE" altLang="de-DE" smtClean="0"/>
               <a:pPr/>
               <a:t>4</a:t>
             </a:fld>
-            <a:endParaRPr lang="de-DE"/>
+            <a:endParaRPr lang="de-DE" altLang="de-DE"/>
           </a:p>
         </p:txBody>
       </p:sp>
     </p:spTree>
     <p:extLst>
       <p:ext uri="{BB962C8B-B14F-4D97-AF65-F5344CB8AC3E}">
-        <p14:creationId xmlns:p14="http://schemas.microsoft.com/office/powerpoint/2010/main" val="1960158507"/>
+        <p14:creationId xmlns:p14="http://schemas.microsoft.com/office/powerpoint/2010/main" val="3563741360"/>
       </p:ext>
     </p:extLst>
   </p:cSld>
@@ -15446,7 +16008,7 @@
       </p:grpSpPr>
       <p:sp>
         <p:nvSpPr>
-          <p:cNvPr id="7" name="Title 6"/>
+          <p:cNvPr id="2" name="Title 1"/>
           <p:cNvSpPr>
             <a:spLocks noGrp="1"/>
           </p:cNvSpPr>
@@ -15457,126 +16019,36 @@
         <p:spPr/>
         <p:txBody>
           <a:bodyPr>
-            <a:normAutofit fontScale="90000"/>
+            <a:normAutofit/>
           </a:bodyPr>
           <a:lstStyle/>
           <a:p>
-            <a:pPr marL="0" marR="0" indent="0" algn="l" defTabSz="914400" rtl="0" eaLnBrk="1" fontAlgn="auto" latinLnBrk="0" hangingPunct="1">
-              <a:lnSpc>
-                <a:spcPct val="90000"/>
-              </a:lnSpc>
-              <a:spcBef>
-                <a:spcPct val="0"/>
-              </a:spcBef>
-              <a:spcAft>
-                <a:spcPts val="0"/>
-              </a:spcAft>
-              <a:buClrTx/>
-              <a:buSzTx/>
-              <a:buFontTx/>
-              <a:buNone/>
-              <a:tabLst/>
-              <a:defRPr/>
-            </a:pPr>
-            <a:r>
-              <a:rPr lang="en-US" sz="3000" b="1" kern="1200" cap="all" baseline="0" dirty="0" smtClean="0">
-                <a:solidFill>
-                  <a:schemeClr val="tx1"/>
-                </a:solidFill>
-                <a:latin typeface="+mj-lt"/>
-                <a:ea typeface="+mj-ea"/>
-                <a:cs typeface="+mj-cs"/>
-              </a:rPr>
-              <a:t>Download master</a:t>
-            </a:r>
-            <a:endParaRPr lang="en-US" sz="3000" b="1" kern="1200" cap="all" baseline="0" dirty="0" smtClean="0">
-              <a:solidFill>
-                <a:schemeClr val="tx1"/>
-              </a:solidFill>
-              <a:latin typeface="+mj-lt"/>
-              <a:ea typeface="+mj-ea"/>
-              <a:cs typeface="+mj-cs"/>
-            </a:endParaRPr>
+            <a:r>
+              <a:rPr lang="en-US" dirty="0" smtClean="0"/>
+              <a:t>Forge</a:t>
+            </a:r>
+            <a:endParaRPr lang="en-US" dirty="0"/>
           </a:p>
         </p:txBody>
       </p:sp>
       <p:sp>
         <p:nvSpPr>
-          <p:cNvPr id="8" name="Content Placeholder 7"/>
+          <p:cNvPr id="7" name="Text Placeholder 6"/>
           <p:cNvSpPr>
             <a:spLocks noGrp="1"/>
           </p:cNvSpPr>
           <p:nvPr>
-            <p:ph idx="1"/>
+            <p:ph type="body" idx="1"/>
           </p:nvPr>
         </p:nvSpPr>
         <p:spPr/>
         <p:txBody>
-          <a:bodyPr>
-            <a:normAutofit/>
-          </a:bodyPr>
+          <a:bodyPr/>
           <a:lstStyle/>
           <a:p>
-            <a:pPr lvl="1"/>
-            <a:r>
-              <a:rPr lang="en-US" dirty="0" smtClean="0"/>
-              <a:t>Local server (XAMPP, </a:t>
-            </a:r>
-            <a:r>
-              <a:rPr lang="en-US" dirty="0" err="1" smtClean="0"/>
-              <a:t>Bitnami</a:t>
-            </a:r>
-            <a:r>
-              <a:rPr lang="en-US" dirty="0" smtClean="0"/>
-              <a:t>, </a:t>
-            </a:r>
-            <a:r>
-              <a:rPr lang="en-US" dirty="0" err="1" smtClean="0"/>
-              <a:t>VirtualBox</a:t>
-            </a:r>
             <a:r>
               <a:rPr lang="en-US" dirty="0"/>
-              <a:t>)</a:t>
-            </a:r>
-            <a:r>
-              <a:rPr lang="en-US" dirty="0" smtClean="0"/>
-              <a:t> </a:t>
-            </a:r>
-            <a:endParaRPr lang="en-US" sz="5400" kern="1200" dirty="0" smtClean="0">
-              <a:solidFill>
-                <a:schemeClr val="tx1"/>
-              </a:solidFill>
-              <a:latin typeface="+mn-lt"/>
-              <a:ea typeface="+mn-ea"/>
-              <a:cs typeface="+mn-cs"/>
-            </a:endParaRPr>
-          </a:p>
-          <a:p>
-            <a:pPr lvl="1"/>
-            <a:r>
-              <a:rPr lang="en-US" sz="5400" i="0" kern="1200" dirty="0" smtClean="0">
-                <a:solidFill>
-                  <a:schemeClr val="tx1"/>
-                </a:solidFill>
-                <a:latin typeface="+mn-lt"/>
-                <a:ea typeface="+mn-ea"/>
-                <a:cs typeface="+mn-cs"/>
-              </a:rPr>
-              <a:t>Download “Master” not “Current Version”</a:t>
-            </a:r>
-          </a:p>
-          <a:p>
-            <a:pPr lvl="1"/>
-            <a:r>
-              <a:rPr lang="en-US" sz="5400" i="0" kern="1200" dirty="0" smtClean="0">
-                <a:solidFill>
-                  <a:schemeClr val="tx1"/>
-                </a:solidFill>
-                <a:latin typeface="+mn-lt"/>
-                <a:ea typeface="+mn-ea"/>
-                <a:cs typeface="+mn-cs"/>
-              </a:rPr>
-              <a:t>TYPO3 V9 = PHP 7.2</a:t>
+              <a:t>https://forge.typo3.org/</a:t>
             </a:r>
           </a:p>
         </p:txBody>
@@ -15596,9 +16068,9 @@
           <a:bodyPr/>
           <a:lstStyle/>
           <a:p>
-            <a:fld id="{CBC34971-8DF3-4F27-9991-E37B110D9ED4}" type="datetime1">
+            <a:fld id="{BA1999B4-2296-4B3C-9E42-F536B7F9EE6F}" type="datetime1">
               <a:rPr lang="de-DE" smtClean="0"/>
-              <a:t>18.05.2018</a:t>
+              <a:t>20.05.2018</a:t>
             </a:fld>
             <a:endParaRPr lang="de-DE"/>
           </a:p>
@@ -15620,10 +16092,10 @@
           <a:lstStyle/>
           <a:p>
             <a:r>
-              <a:rPr lang="en-US" smtClean="0"/>
-              <a:t>Configurable in Head- and Footnote section</a:t>
-            </a:r>
-            <a:endParaRPr lang="de-DE" dirty="0"/>
+              <a:rPr lang="de-CH" dirty="0"/>
+              <a:t>TYPO3camp Zentralschweiz</a:t>
+            </a:r>
+            <a:endParaRPr lang="de-CH" altLang="de-DE" dirty="0"/>
           </a:p>
         </p:txBody>
       </p:sp>
@@ -15654,7 +16126,7 @@
     </p:spTree>
     <p:extLst>
       <p:ext uri="{BB962C8B-B14F-4D97-AF65-F5344CB8AC3E}">
-        <p14:creationId xmlns:p14="http://schemas.microsoft.com/office/powerpoint/2010/main" val="478274503"/>
+        <p14:creationId xmlns:p14="http://schemas.microsoft.com/office/powerpoint/2010/main" val="3948257798"/>
       </p:ext>
     </p:extLst>
   </p:cSld>
@@ -15702,7 +16174,7 @@
       </p:grpSpPr>
       <p:sp>
         <p:nvSpPr>
-          <p:cNvPr id="2" name="Title 1"/>
+          <p:cNvPr id="7" name="Title 6"/>
           <p:cNvSpPr>
             <a:spLocks noGrp="1"/>
           </p:cNvSpPr>
@@ -15717,25 +16189,41 @@
           </a:bodyPr>
           <a:lstStyle/>
           <a:p>
-            <a:pPr lvl="0"/>
-            <a:r>
-              <a:rPr lang="en-US" sz="3600" b="1" kern="1200" cap="all" baseline="0" dirty="0" smtClean="0">
-                <a:solidFill>
-                  <a:schemeClr val="tx1"/>
-                </a:solidFill>
-                <a:latin typeface="+mj-lt"/>
-                <a:ea typeface="+mj-ea"/>
-                <a:cs typeface="+mj-cs"/>
-              </a:rPr>
-              <a:t>Code reviews</a:t>
-            </a:r>
-            <a:endParaRPr lang="en-US" dirty="0"/>
+            <a:pPr marL="0" marR="0" indent="0" algn="l" defTabSz="914400" rtl="0" eaLnBrk="1" fontAlgn="auto" latinLnBrk="0" hangingPunct="1">
+              <a:lnSpc>
+                <a:spcPct val="90000"/>
+              </a:lnSpc>
+              <a:spcBef>
+                <a:spcPct val="0"/>
+              </a:spcBef>
+              <a:spcAft>
+                <a:spcPts val="0"/>
+              </a:spcAft>
+              <a:buClrTx/>
+              <a:buSzTx/>
+              <a:buFontTx/>
+              <a:buNone/>
+              <a:tabLst/>
+              <a:defRPr/>
+            </a:pPr>
+            <a:r>
+              <a:rPr lang="en-US" dirty="0" smtClean="0"/>
+              <a:t>Forge</a:t>
+            </a:r>
+            <a:endParaRPr lang="en-US" sz="3000" b="1" kern="1200" cap="all" baseline="0" dirty="0" smtClean="0">
+              <a:solidFill>
+                <a:schemeClr val="tx1"/>
+              </a:solidFill>
+              <a:latin typeface="+mj-lt"/>
+              <a:ea typeface="+mj-ea"/>
+              <a:cs typeface="+mj-cs"/>
+            </a:endParaRPr>
           </a:p>
         </p:txBody>
       </p:sp>
       <p:sp>
         <p:nvSpPr>
-          <p:cNvPr id="3" name="Content Placeholder 2"/>
+          <p:cNvPr id="8" name="Content Placeholder 7"/>
           <p:cNvSpPr>
             <a:spLocks noGrp="1"/>
           </p:cNvSpPr>
@@ -15750,41 +16238,8 @@
           </a:bodyPr>
           <a:lstStyle/>
           <a:p>
-            <a:pPr lvl="1"/>
-            <a:r>
-              <a:rPr lang="en-US" dirty="0" smtClean="0"/>
-              <a:t>Download “</a:t>
-            </a:r>
-            <a:r>
-              <a:rPr lang="de-CH" dirty="0"/>
-              <a:t>Cherry </a:t>
-            </a:r>
-            <a:r>
-              <a:rPr lang="de-CH" dirty="0" smtClean="0"/>
-              <a:t>Pick"</a:t>
-            </a:r>
-            <a:endParaRPr lang="en-US" dirty="0" smtClean="0"/>
-          </a:p>
-          <a:p>
-            <a:pPr lvl="1"/>
-            <a:r>
-              <a:rPr lang="en-US" dirty="0" smtClean="0"/>
-              <a:t>Take time </a:t>
-            </a:r>
-            <a:r>
-              <a:rPr lang="en-US" dirty="0"/>
-              <a:t>to review </a:t>
-            </a:r>
-            <a:r>
-              <a:rPr lang="en-US" dirty="0" smtClean="0"/>
-              <a:t>correctly</a:t>
-            </a:r>
-            <a:endParaRPr lang="en-US" dirty="0"/>
-          </a:p>
-          <a:p>
-            <a:pPr lvl="1"/>
-            <a:r>
-              <a:rPr lang="en-US" sz="5400" kern="1200" dirty="0" smtClean="0">
+            <a:r>
+              <a:rPr lang="en-US" sz="6000" kern="1200" dirty="0" smtClean="0">
                 <a:solidFill>
                   <a:schemeClr val="tx1"/>
                 </a:solidFill>
@@ -15792,48 +16247,103 @@
                 <a:ea typeface="+mn-ea"/>
                 <a:cs typeface="+mn-cs"/>
               </a:rPr>
-              <a:t>“</a:t>
-            </a:r>
-            <a:r>
-              <a:rPr lang="en-US" dirty="0"/>
-              <a:t>Don't worry, nothing will </a:t>
-            </a:r>
-            <a:r>
-              <a:rPr lang="en-US" dirty="0" smtClean="0"/>
-              <a:t>break”</a:t>
-            </a:r>
-          </a:p>
-          <a:p>
-            <a:pPr lvl="1"/>
-            <a:r>
-              <a:rPr lang="en-US" dirty="0" smtClean="0"/>
-              <a:t>“Core” developers look at each patch</a:t>
-            </a:r>
-          </a:p>
-          <a:p>
-            <a:pPr lvl="1"/>
-            <a:r>
-              <a:rPr lang="en-US" dirty="0"/>
-              <a:t>Reply with "-1" "0" "+1" and </a:t>
-            </a:r>
-            <a:r>
-              <a:rPr lang="en-US" dirty="0" smtClean="0"/>
-              <a:t>comment </a:t>
-            </a:r>
-          </a:p>
-          <a:p>
-            <a:pPr lvl="1"/>
-            <a:r>
-              <a:rPr lang="en-US" dirty="0" smtClean="0"/>
-              <a:t>Patches with “-2” </a:t>
-            </a:r>
-            <a:r>
-              <a:rPr lang="en-US" dirty="0" smtClean="0">
-                <a:sym typeface="Wingdings" panose="05000000000000000000" pitchFamily="2" charset="2"/>
+              <a:t>Core and Extensions</a:t>
+            </a:r>
+          </a:p>
+          <a:p>
+            <a:r>
+              <a:rPr lang="en-US" sz="6000" kern="1200" dirty="0" smtClean="0">
+                <a:solidFill>
+                  <a:schemeClr val="tx1"/>
+                </a:solidFill>
+                <a:latin typeface="+mn-lt"/>
+                <a:ea typeface="+mn-ea"/>
+                <a:cs typeface="+mn-cs"/>
               </a:rPr>
-              <a:t> no chance to merge</a:t>
-            </a:r>
-            <a:endParaRPr lang="en-US" dirty="0" smtClean="0"/>
+              <a:t>Choose the right “Tracker”</a:t>
+            </a:r>
+          </a:p>
+          <a:p>
+            <a:r>
+              <a:rPr lang="de-CH" dirty="0"/>
+              <a:t>As </a:t>
+            </a:r>
+            <a:r>
+              <a:rPr lang="de-CH" b="1" dirty="0" err="1"/>
+              <a:t>detailed</a:t>
+            </a:r>
+            <a:r>
+              <a:rPr lang="de-CH" dirty="0"/>
+              <a:t> </a:t>
+            </a:r>
+            <a:r>
+              <a:rPr lang="de-CH" dirty="0" err="1"/>
+              <a:t>as</a:t>
+            </a:r>
+            <a:r>
+              <a:rPr lang="de-CH" dirty="0"/>
+              <a:t> </a:t>
+            </a:r>
+            <a:r>
+              <a:rPr lang="de-CH" dirty="0" err="1" smtClean="0"/>
+              <a:t>possible</a:t>
+            </a:r>
+            <a:endParaRPr lang="de-CH" dirty="0" smtClean="0"/>
+          </a:p>
+          <a:p>
+            <a:r>
+              <a:rPr lang="de-CH" b="1" dirty="0"/>
+              <a:t>Pictures</a:t>
+            </a:r>
+            <a:r>
+              <a:rPr lang="de-CH" dirty="0"/>
+              <a:t> </a:t>
+            </a:r>
+            <a:r>
+              <a:rPr lang="de-CH" dirty="0" err="1"/>
+              <a:t>help</a:t>
+            </a:r>
+            <a:r>
+              <a:rPr lang="de-CH" dirty="0"/>
+              <a:t> </a:t>
+            </a:r>
+            <a:r>
+              <a:rPr lang="de-CH" dirty="0" err="1"/>
+              <a:t>to</a:t>
+            </a:r>
+            <a:r>
+              <a:rPr lang="de-CH" dirty="0"/>
+              <a:t> </a:t>
+            </a:r>
+            <a:r>
+              <a:rPr lang="de-CH" dirty="0" err="1" smtClean="0"/>
+              <a:t>understand</a:t>
+            </a:r>
+            <a:endParaRPr lang="de-CH" dirty="0" smtClean="0"/>
+          </a:p>
+          <a:p>
+            <a:r>
+              <a:rPr lang="en-US" sz="6000" b="1" kern="1200" dirty="0" smtClean="0">
+                <a:solidFill>
+                  <a:schemeClr val="tx1"/>
+                </a:solidFill>
+                <a:latin typeface="+mn-lt"/>
+                <a:ea typeface="+mn-ea"/>
+                <a:cs typeface="+mn-cs"/>
+              </a:rPr>
+              <a:t>Never</a:t>
+            </a:r>
+            <a:r>
+              <a:rPr lang="en-US" sz="6000" kern="1200" dirty="0" smtClean="0">
+                <a:solidFill>
+                  <a:schemeClr val="tx1"/>
+                </a:solidFill>
+                <a:latin typeface="+mn-lt"/>
+                <a:ea typeface="+mn-ea"/>
+                <a:cs typeface="+mn-cs"/>
+              </a:rPr>
+              <a:t> “Assignee” a ticket to somebody</a:t>
+            </a:r>
           </a:p>
         </p:txBody>
       </p:sp>
@@ -15847,16 +16357,21 @@
             <p:ph type="dt" sz="half" idx="10"/>
           </p:nvPr>
         </p:nvSpPr>
-        <p:spPr/>
+        <p:spPr>
+          <a:xfrm>
+            <a:off x="1192213" y="8647113"/>
+            <a:ext cx="1185227" cy="519112"/>
+          </a:xfrm>
+        </p:spPr>
         <p:txBody>
           <a:bodyPr/>
           <a:lstStyle/>
           <a:p>
-            <a:fld id="{BA1999B4-2296-4B3C-9E42-F536B7F9EE6F}" type="datetime1">
+            <a:fld id="{CBC34971-8DF3-4F27-9991-E37B110D9ED4}" type="datetime1">
               <a:rPr lang="de-DE" smtClean="0"/>
-              <a:t>18.05.2018</a:t>
+              <a:t>20.05.2018</a:t>
             </a:fld>
-            <a:endParaRPr lang="de-DE"/>
+            <a:endParaRPr lang="de-DE" dirty="0"/>
           </a:p>
         </p:txBody>
       </p:sp>
@@ -15870,16 +16385,21 @@
             <p:ph type="ftr" sz="quarter" idx="11"/>
           </p:nvPr>
         </p:nvSpPr>
-        <p:spPr/>
+        <p:spPr>
+          <a:xfrm>
+            <a:off x="2377440" y="8647113"/>
+            <a:ext cx="6595738" cy="519112"/>
+          </a:xfrm>
+        </p:spPr>
         <p:txBody>
           <a:bodyPr/>
           <a:lstStyle/>
           <a:p>
             <a:r>
-              <a:rPr lang="en-US" smtClean="0"/>
-              <a:t>Configurable in Head- and Footnote section</a:t>
-            </a:r>
-            <a:endParaRPr lang="de-DE" dirty="0"/>
+              <a:rPr lang="de-CH" dirty="0"/>
+              <a:t>TYPO3camp Zentralschweiz</a:t>
+            </a:r>
+            <a:endParaRPr lang="de-CH" altLang="de-DE" dirty="0"/>
           </a:p>
         </p:txBody>
       </p:sp>
@@ -15910,7 +16430,7 @@
     </p:spTree>
     <p:extLst>
       <p:ext uri="{BB962C8B-B14F-4D97-AF65-F5344CB8AC3E}">
-        <p14:creationId xmlns:p14="http://schemas.microsoft.com/office/powerpoint/2010/main" val="3969420925"/>
+        <p14:creationId xmlns:p14="http://schemas.microsoft.com/office/powerpoint/2010/main" val="274010256"/>
       </p:ext>
     </p:extLst>
   </p:cSld>
@@ -15969,13 +16489,28 @@
         <p:spPr/>
         <p:txBody>
           <a:bodyPr>
-            <a:normAutofit/>
+            <a:normAutofit fontScale="90000"/>
           </a:bodyPr>
           <a:lstStyle/>
           <a:p>
             <a:r>
+              <a:rPr lang="en-US" dirty="0" smtClean="0"/>
+              <a:t>Code </a:t>
+            </a:r>
+            <a:r>
               <a:rPr lang="en-US" dirty="0" err="1" smtClean="0"/>
-              <a:t>Bugfix</a:t>
+              <a:t>Revies</a:t>
+            </a:r>
+            <a:r>
+              <a:rPr lang="en-US" dirty="0" smtClean="0"/>
+              <a:t> /</a:t>
+            </a:r>
+            <a:br>
+              <a:rPr lang="en-US" dirty="0" smtClean="0"/>
+            </a:br>
+            <a:r>
+              <a:rPr lang="en-US" dirty="0" smtClean="0"/>
+              <a:t>Download master</a:t>
             </a:r>
             <a:endParaRPr lang="en-US" dirty="0"/>
           </a:p>
@@ -15993,30 +16528,13 @@
         </p:nvSpPr>
         <p:spPr/>
         <p:txBody>
-          <a:bodyPr>
-            <a:normAutofit/>
-          </a:bodyPr>
+          <a:bodyPr/>
           <a:lstStyle/>
           <a:p>
             <a:r>
               <a:rPr lang="en-US" dirty="0"/>
-              <a:t>https://forge.typo3.org</a:t>
-            </a:r>
-            <a:r>
-              <a:rPr lang="en-US" dirty="0" smtClean="0"/>
-              <a:t>/</a:t>
-            </a:r>
-          </a:p>
-          <a:p>
-            <a:r>
-              <a:rPr lang="en-US" dirty="0" smtClean="0"/>
-              <a:t>https</a:t>
-            </a:r>
-            <a:r>
-              <a:rPr lang="en-US" dirty="0"/>
-              <a:t>://review.typo3.org/</a:t>
-            </a:r>
-            <a:endParaRPr lang="en-US" dirty="0"/>
+              <a:t>https://review.typo3.org/</a:t>
+            </a:r>
           </a:p>
         </p:txBody>
       </p:sp>
@@ -16037,7 +16555,7 @@
           <a:p>
             <a:fld id="{BA1999B4-2296-4B3C-9E42-F536B7F9EE6F}" type="datetime1">
               <a:rPr lang="de-DE" smtClean="0"/>
-              <a:t>18.05.2018</a:t>
+              <a:t>20.05.2018</a:t>
             </a:fld>
             <a:endParaRPr lang="de-DE"/>
           </a:p>
@@ -16059,10 +16577,10 @@
           <a:lstStyle/>
           <a:p>
             <a:r>
-              <a:rPr lang="en-US" smtClean="0"/>
-              <a:t>Configurable in Head- and Footnote section</a:t>
-            </a:r>
-            <a:endParaRPr lang="de-DE" dirty="0"/>
+              <a:rPr lang="de-CH" dirty="0"/>
+              <a:t>TYPO3camp Zentralschweiz</a:t>
+            </a:r>
+            <a:endParaRPr lang="de-CH" altLang="de-DE" dirty="0"/>
           </a:p>
         </p:txBody>
       </p:sp>
@@ -16093,7 +16611,7 @@
     </p:spTree>
     <p:extLst>
       <p:ext uri="{BB962C8B-B14F-4D97-AF65-F5344CB8AC3E}">
-        <p14:creationId xmlns:p14="http://schemas.microsoft.com/office/powerpoint/2010/main" val="3004992473"/>
+        <p14:creationId xmlns:p14="http://schemas.microsoft.com/office/powerpoint/2010/main" val="1960158507"/>
       </p:ext>
     </p:extLst>
   </p:cSld>
@@ -16158,7 +16676,7 @@
           <a:p>
             <a:pPr lvl="0"/>
             <a:r>
-              <a:rPr lang="en-US" sz="3600" b="1" kern="1200" cap="all" baseline="0" dirty="0" err="1" smtClean="0">
+              <a:rPr lang="en-US" sz="3600" b="1" kern="1200" cap="all" baseline="0" dirty="0" smtClean="0">
                 <a:solidFill>
                   <a:schemeClr val="tx1"/>
                 </a:solidFill>
@@ -16166,7 +16684,7 @@
                 <a:ea typeface="+mj-ea"/>
                 <a:cs typeface="+mj-cs"/>
               </a:rPr>
-              <a:t>Bugfix</a:t>
+              <a:t>Code reviews</a:t>
             </a:r>
             <a:endParaRPr lang="en-US" dirty="0"/>
           </a:p>
@@ -16191,76 +16709,37 @@
           <a:p>
             <a:pPr lvl="1"/>
             <a:r>
+              <a:rPr lang="en-US" dirty="0" smtClean="0"/>
+              <a:t>Download “</a:t>
+            </a:r>
+            <a:r>
               <a:rPr lang="de-CH" dirty="0"/>
-              <a:t>Setting </a:t>
-            </a:r>
-            <a:r>
-              <a:rPr lang="de-CH" dirty="0" err="1"/>
-              <a:t>up</a:t>
-            </a:r>
-            <a:r>
-              <a:rPr lang="de-CH" dirty="0"/>
-              <a:t> </a:t>
-            </a:r>
-            <a:r>
-              <a:rPr lang="de-CH" dirty="0" err="1"/>
-              <a:t>your</a:t>
-            </a:r>
-            <a:r>
-              <a:rPr lang="de-CH" dirty="0"/>
-              <a:t> </a:t>
-            </a:r>
-            <a:r>
-              <a:rPr lang="de-CH" dirty="0" err="1"/>
-              <a:t>accounts</a:t>
-            </a:r>
-            <a:r>
-              <a:rPr lang="de-CH" dirty="0"/>
-              <a:t> </a:t>
-            </a:r>
-            <a:endParaRPr lang="de-CH" dirty="0" smtClean="0"/>
+              <a:t>Cherry </a:t>
+            </a:r>
+            <a:r>
+              <a:rPr lang="de-CH" dirty="0" smtClean="0"/>
+              <a:t>Pick"</a:t>
+            </a:r>
+            <a:endParaRPr lang="en-US" dirty="0" smtClean="0"/>
           </a:p>
           <a:p>
             <a:pPr lvl="1"/>
             <a:r>
+              <a:rPr lang="en-US" dirty="0" smtClean="0"/>
+              <a:t>Take time </a:t>
+            </a:r>
+            <a:r>
               <a:rPr lang="en-US" dirty="0"/>
-              <a:t>Setting up your </a:t>
-            </a:r>
-            <a:r>
-              <a:rPr lang="en-US" dirty="0" err="1"/>
-              <a:t>Git</a:t>
-            </a:r>
-            <a:r>
-              <a:rPr lang="en-US" dirty="0"/>
-              <a:t> environment </a:t>
-            </a:r>
+              <a:t>to review </a:t>
+            </a:r>
+            <a:r>
+              <a:rPr lang="en-US" dirty="0" smtClean="0"/>
+              <a:t>correctly</a:t>
+            </a:r>
+            <a:endParaRPr lang="en-US" dirty="0"/>
           </a:p>
           <a:p>
             <a:pPr lvl="1"/>
-            <a:r>
-              <a:rPr lang="en-US" dirty="0" smtClean="0"/>
-              <a:t>Make changes</a:t>
-            </a:r>
-          </a:p>
-          <a:p>
-            <a:pPr lvl="1"/>
-            <a:r>
-              <a:rPr lang="en-US" dirty="0" smtClean="0"/>
-              <a:t>Commit</a:t>
-            </a:r>
-          </a:p>
-          <a:p>
-            <a:pPr lvl="1"/>
-            <a:r>
-              <a:rPr lang="en-US" dirty="0" smtClean="0"/>
-              <a:t>Push </a:t>
-            </a:r>
-            <a:r>
-              <a:rPr lang="en-US" dirty="0" smtClean="0">
-                <a:sym typeface="Wingdings" panose="05000000000000000000" pitchFamily="2" charset="2"/>
-              </a:rPr>
-              <a:t> </a:t>
-            </a:r>
             <a:r>
               <a:rPr lang="en-US" sz="5400" kern="1200" dirty="0" smtClean="0">
                 <a:solidFill>
@@ -16273,12 +16752,8 @@
               <a:t>“</a:t>
             </a:r>
             <a:r>
-              <a:rPr lang="en-US" dirty="0" smtClean="0"/>
-              <a:t>Don't </a:t>
-            </a:r>
-            <a:r>
               <a:rPr lang="en-US" dirty="0"/>
-              <a:t>worry, nothing will </a:t>
+              <a:t>Don't worry, nothing will </a:t>
             </a:r>
             <a:r>
               <a:rPr lang="en-US" dirty="0" smtClean="0"/>
@@ -16288,40 +16763,23 @@
           <a:p>
             <a:pPr lvl="1"/>
             <a:r>
-              <a:rPr lang="en-US" b="1" dirty="0"/>
-              <a:t>Lean</a:t>
-            </a:r>
-            <a:r>
-              <a:rPr lang="en-US" dirty="0"/>
-              <a:t> </a:t>
-            </a:r>
-            <a:r>
-              <a:rPr lang="en-US" b="1" dirty="0" smtClean="0"/>
-              <a:t>back </a:t>
-            </a:r>
-            <a:r>
               <a:rPr lang="en-US" dirty="0" smtClean="0"/>
-              <a:t>and </a:t>
-            </a:r>
-            <a:r>
-              <a:rPr lang="en-US" dirty="0"/>
-              <a:t>wait for </a:t>
-            </a:r>
+              <a:t>“Core” developers look at each patch</a:t>
+            </a:r>
+          </a:p>
+          <a:p>
+            <a:pPr lvl="1"/>
             <a:r>
               <a:rPr lang="en-US" dirty="0" smtClean="0"/>
-              <a:t>feedback</a:t>
-            </a:r>
-          </a:p>
-          <a:p>
-            <a:pPr lvl="1"/>
-            <a:r>
-              <a:rPr lang="en-US" b="1" dirty="0" smtClean="0">
-                <a:solidFill>
-                  <a:srgbClr val="FF8200"/>
-                </a:solidFill>
+              <a:t>Patches with “-2” </a:t>
+            </a:r>
+            <a:r>
+              <a:rPr lang="en-US" dirty="0" smtClean="0">
+                <a:sym typeface="Wingdings" panose="05000000000000000000" pitchFamily="2" charset="2"/>
               </a:rPr>
-              <a:t>“Core” developers look at each patch</a:t>
-            </a:r>
+              <a:t> no chance to merge</a:t>
+            </a:r>
+            <a:endParaRPr lang="en-US" dirty="0" smtClean="0"/>
           </a:p>
         </p:txBody>
       </p:sp>
@@ -16335,16 +16793,21 @@
             <p:ph type="dt" sz="half" idx="10"/>
           </p:nvPr>
         </p:nvSpPr>
-        <p:spPr/>
+        <p:spPr>
+          <a:xfrm>
+            <a:off x="1192213" y="8647113"/>
+            <a:ext cx="1056135" cy="519112"/>
+          </a:xfrm>
+        </p:spPr>
         <p:txBody>
           <a:bodyPr/>
           <a:lstStyle/>
           <a:p>
             <a:fld id="{BA1999B4-2296-4B3C-9E42-F536B7F9EE6F}" type="datetime1">
               <a:rPr lang="de-DE" smtClean="0"/>
-              <a:t>18.05.2018</a:t>
+              <a:t>20.05.2018</a:t>
             </a:fld>
-            <a:endParaRPr lang="de-DE"/>
+            <a:endParaRPr lang="de-DE" dirty="0"/>
           </a:p>
         </p:txBody>
       </p:sp>
@@ -16358,16 +16821,21 @@
             <p:ph type="ftr" sz="quarter" idx="11"/>
           </p:nvPr>
         </p:nvSpPr>
-        <p:spPr/>
+        <p:spPr>
+          <a:xfrm>
+            <a:off x="2248348" y="8632285"/>
+            <a:ext cx="6595738" cy="519112"/>
+          </a:xfrm>
+        </p:spPr>
         <p:txBody>
           <a:bodyPr/>
           <a:lstStyle/>
           <a:p>
             <a:r>
-              <a:rPr lang="en-US" smtClean="0"/>
-              <a:t>Configurable in Head- and Footnote section</a:t>
-            </a:r>
-            <a:endParaRPr lang="de-DE" dirty="0"/>
+              <a:rPr lang="de-CH" dirty="0"/>
+              <a:t>TYPO3camp Zentralschweiz</a:t>
+            </a:r>
+            <a:endParaRPr lang="de-CH" altLang="de-DE" dirty="0"/>
           </a:p>
         </p:txBody>
       </p:sp>
@@ -16398,7 +16866,7 @@
     </p:spTree>
     <p:extLst>
       <p:ext uri="{BB962C8B-B14F-4D97-AF65-F5344CB8AC3E}">
-        <p14:creationId xmlns:p14="http://schemas.microsoft.com/office/powerpoint/2010/main" val="282952912"/>
+        <p14:creationId xmlns:p14="http://schemas.microsoft.com/office/powerpoint/2010/main" val="3520080899"/>
       </p:ext>
     </p:extLst>
   </p:cSld>
@@ -16446,7 +16914,7 @@
       </p:grpSpPr>
       <p:sp>
         <p:nvSpPr>
-          <p:cNvPr id="2" name="Title 1"/>
+          <p:cNvPr id="7" name="Title 6"/>
           <p:cNvSpPr>
             <a:spLocks noGrp="1"/>
           </p:cNvSpPr>
@@ -16457,45 +16925,119 @@
         <p:spPr/>
         <p:txBody>
           <a:bodyPr>
-            <a:normAutofit/>
+            <a:normAutofit fontScale="90000"/>
           </a:bodyPr>
           <a:lstStyle/>
           <a:p>
-            <a:r>
-              <a:rPr lang="en-US" dirty="0" smtClean="0"/>
-              <a:t>Events /</a:t>
-            </a:r>
-            <a:br>
-              <a:rPr lang="en-US" dirty="0" smtClean="0"/>
-            </a:br>
-            <a:r>
-              <a:rPr lang="en-US" dirty="0" smtClean="0"/>
-              <a:t>Code sprints</a:t>
-            </a:r>
-            <a:endParaRPr lang="en-US" dirty="0"/>
+            <a:pPr marL="0" marR="0" indent="0" algn="l" defTabSz="914400" rtl="0" eaLnBrk="1" fontAlgn="auto" latinLnBrk="0" hangingPunct="1">
+              <a:lnSpc>
+                <a:spcPct val="90000"/>
+              </a:lnSpc>
+              <a:spcBef>
+                <a:spcPct val="0"/>
+              </a:spcBef>
+              <a:spcAft>
+                <a:spcPts val="0"/>
+              </a:spcAft>
+              <a:buClrTx/>
+              <a:buSzTx/>
+              <a:buFontTx/>
+              <a:buNone/>
+              <a:tabLst/>
+              <a:defRPr/>
+            </a:pPr>
+            <a:r>
+              <a:rPr lang="en-US" sz="3000" b="1" kern="1200" cap="all" baseline="0" dirty="0" smtClean="0">
+                <a:solidFill>
+                  <a:schemeClr val="tx1"/>
+                </a:solidFill>
+                <a:latin typeface="+mj-lt"/>
+                <a:ea typeface="+mj-ea"/>
+                <a:cs typeface="+mj-cs"/>
+              </a:rPr>
+              <a:t>Download master</a:t>
+            </a:r>
           </a:p>
         </p:txBody>
       </p:sp>
       <p:sp>
         <p:nvSpPr>
-          <p:cNvPr id="7" name="Text Placeholder 6"/>
+          <p:cNvPr id="8" name="Content Placeholder 7"/>
           <p:cNvSpPr>
             <a:spLocks noGrp="1"/>
           </p:cNvSpPr>
           <p:nvPr>
-            <p:ph type="body" idx="1"/>
+            <p:ph idx="1"/>
           </p:nvPr>
         </p:nvSpPr>
         <p:spPr/>
         <p:txBody>
-          <a:bodyPr/>
+          <a:bodyPr>
+            <a:normAutofit/>
+          </a:bodyPr>
           <a:lstStyle/>
           <a:p>
+            <a:pPr lvl="1"/>
+            <a:r>
+              <a:rPr lang="en-US" dirty="0" smtClean="0"/>
+              <a:t>Local server (XAMPP, </a:t>
+            </a:r>
+            <a:r>
+              <a:rPr lang="en-US" dirty="0" err="1" smtClean="0"/>
+              <a:t>Bitnami</a:t>
+            </a:r>
+            <a:r>
+              <a:rPr lang="en-US" dirty="0" smtClean="0"/>
+              <a:t>, </a:t>
+            </a:r>
+            <a:r>
+              <a:rPr lang="en-US" dirty="0" err="1" smtClean="0"/>
+              <a:t>VirtualBox</a:t>
+            </a:r>
             <a:r>
               <a:rPr lang="en-US" dirty="0"/>
-              <a:t>https://typo3.org/community/events/</a:t>
-            </a:r>
-            <a:endParaRPr lang="en-US" dirty="0"/>
+              <a:t>)</a:t>
+            </a:r>
+            <a:r>
+              <a:rPr lang="en-US" dirty="0" smtClean="0"/>
+              <a:t> </a:t>
+            </a:r>
+            <a:endParaRPr lang="en-US" sz="5400" kern="1200" dirty="0" smtClean="0">
+              <a:solidFill>
+                <a:schemeClr val="tx1"/>
+              </a:solidFill>
+              <a:latin typeface="+mn-lt"/>
+              <a:ea typeface="+mn-ea"/>
+              <a:cs typeface="+mn-cs"/>
+            </a:endParaRPr>
+          </a:p>
+          <a:p>
+            <a:pPr lvl="1"/>
+            <a:r>
+              <a:rPr lang="en-US" sz="5400" i="0" kern="1200" dirty="0" smtClean="0">
+                <a:solidFill>
+                  <a:schemeClr val="tx1"/>
+                </a:solidFill>
+                <a:latin typeface="+mn-lt"/>
+                <a:ea typeface="+mn-ea"/>
+                <a:cs typeface="+mn-cs"/>
+              </a:rPr>
+              <a:t>Download “Master” not “Current Version”</a:t>
+            </a:r>
+          </a:p>
+          <a:p>
+            <a:pPr lvl="1"/>
+            <a:r>
+              <a:rPr lang="en-US" sz="5400" i="0" kern="1200" dirty="0" smtClean="0">
+                <a:solidFill>
+                  <a:schemeClr val="tx1"/>
+                </a:solidFill>
+                <a:latin typeface="+mn-lt"/>
+                <a:ea typeface="+mn-ea"/>
+                <a:cs typeface="+mn-cs"/>
+              </a:rPr>
+              <a:t>TYPO3 V9 = PHP 7.2</a:t>
+            </a:r>
           </a:p>
         </p:txBody>
       </p:sp>
@@ -16509,16 +17051,21 @@
             <p:ph type="dt" sz="half" idx="10"/>
           </p:nvPr>
         </p:nvSpPr>
-        <p:spPr/>
+        <p:spPr>
+          <a:xfrm>
+            <a:off x="1192213" y="8647113"/>
+            <a:ext cx="970074" cy="519112"/>
+          </a:xfrm>
+        </p:spPr>
         <p:txBody>
           <a:bodyPr/>
           <a:lstStyle/>
           <a:p>
-            <a:fld id="{BA1999B4-2296-4B3C-9E42-F536B7F9EE6F}" type="datetime1">
+            <a:fld id="{CBC34971-8DF3-4F27-9991-E37B110D9ED4}" type="datetime1">
               <a:rPr lang="de-DE" smtClean="0"/>
-              <a:t>18.05.2018</a:t>
+              <a:t>20.05.2018</a:t>
             </a:fld>
-            <a:endParaRPr lang="de-DE"/>
+            <a:endParaRPr lang="de-DE" dirty="0"/>
           </a:p>
         </p:txBody>
       </p:sp>
@@ -16532,16 +17079,21 @@
             <p:ph type="ftr" sz="quarter" idx="11"/>
           </p:nvPr>
         </p:nvSpPr>
-        <p:spPr/>
+        <p:spPr>
+          <a:xfrm>
+            <a:off x="2162287" y="8647113"/>
+            <a:ext cx="6595738" cy="519112"/>
+          </a:xfrm>
+        </p:spPr>
         <p:txBody>
           <a:bodyPr/>
           <a:lstStyle/>
           <a:p>
             <a:r>
-              <a:rPr lang="en-US" smtClean="0"/>
-              <a:t>Configurable in Head- and Footnote section</a:t>
-            </a:r>
-            <a:endParaRPr lang="de-DE" dirty="0"/>
+              <a:rPr lang="de-CH" dirty="0"/>
+              <a:t>TYPO3camp Zentralschweiz</a:t>
+            </a:r>
+            <a:endParaRPr lang="de-CH" altLang="de-DE" dirty="0"/>
           </a:p>
         </p:txBody>
       </p:sp>
@@ -16572,7 +17124,7 @@
     </p:spTree>
     <p:extLst>
       <p:ext uri="{BB962C8B-B14F-4D97-AF65-F5344CB8AC3E}">
-        <p14:creationId xmlns:p14="http://schemas.microsoft.com/office/powerpoint/2010/main" val="2239160055"/>
+        <p14:creationId xmlns:p14="http://schemas.microsoft.com/office/powerpoint/2010/main" val="478274503"/>
       </p:ext>
     </p:extLst>
   </p:cSld>
